--- a/zeeman/termschema.pptx
+++ b/zeeman/termschema.pptx
@@ -105,6 +105,11 @@
       </a:defRPr>
     </a:lvl9pPr>
   </p:defaultTextStyle>
+  <p:extLst>
+    <p:ext uri="{EFAFB233-063F-42B5-8137-9DF3F51BA10A}">
+      <p15:sldGuideLst xmlns:p15="http://schemas.microsoft.com/office/powerpoint/2012/main"/>
+    </p:ext>
+  </p:extLst>
 </p:presentation>
 </file>
 
@@ -239,7 +244,7 @@
           <a:p>
             <a:fld id="{820B7818-2032-46A0-A20F-7A3B05D9E04E}" type="datetimeFigureOut">
               <a:rPr lang="de-DE" smtClean="0"/>
-              <a:t>03.06.2016</a:t>
+              <a:t>04.06.2016</a:t>
             </a:fld>
             <a:endParaRPr lang="de-DE"/>
           </a:p>
@@ -409,7 +414,7 @@
           <a:p>
             <a:fld id="{820B7818-2032-46A0-A20F-7A3B05D9E04E}" type="datetimeFigureOut">
               <a:rPr lang="de-DE" smtClean="0"/>
-              <a:t>03.06.2016</a:t>
+              <a:t>04.06.2016</a:t>
             </a:fld>
             <a:endParaRPr lang="de-DE"/>
           </a:p>
@@ -589,7 +594,7 @@
           <a:p>
             <a:fld id="{820B7818-2032-46A0-A20F-7A3B05D9E04E}" type="datetimeFigureOut">
               <a:rPr lang="de-DE" smtClean="0"/>
-              <a:t>03.06.2016</a:t>
+              <a:t>04.06.2016</a:t>
             </a:fld>
             <a:endParaRPr lang="de-DE"/>
           </a:p>
@@ -759,7 +764,7 @@
           <a:p>
             <a:fld id="{820B7818-2032-46A0-A20F-7A3B05D9E04E}" type="datetimeFigureOut">
               <a:rPr lang="de-DE" smtClean="0"/>
-              <a:t>03.06.2016</a:t>
+              <a:t>04.06.2016</a:t>
             </a:fld>
             <a:endParaRPr lang="de-DE"/>
           </a:p>
@@ -1005,7 +1010,7 @@
           <a:p>
             <a:fld id="{820B7818-2032-46A0-A20F-7A3B05D9E04E}" type="datetimeFigureOut">
               <a:rPr lang="de-DE" smtClean="0"/>
-              <a:t>03.06.2016</a:t>
+              <a:t>04.06.2016</a:t>
             </a:fld>
             <a:endParaRPr lang="de-DE"/>
           </a:p>
@@ -1237,7 +1242,7 @@
           <a:p>
             <a:fld id="{820B7818-2032-46A0-A20F-7A3B05D9E04E}" type="datetimeFigureOut">
               <a:rPr lang="de-DE" smtClean="0"/>
-              <a:t>03.06.2016</a:t>
+              <a:t>04.06.2016</a:t>
             </a:fld>
             <a:endParaRPr lang="de-DE"/>
           </a:p>
@@ -1604,7 +1609,7 @@
           <a:p>
             <a:fld id="{820B7818-2032-46A0-A20F-7A3B05D9E04E}" type="datetimeFigureOut">
               <a:rPr lang="de-DE" smtClean="0"/>
-              <a:t>03.06.2016</a:t>
+              <a:t>04.06.2016</a:t>
             </a:fld>
             <a:endParaRPr lang="de-DE"/>
           </a:p>
@@ -1722,7 +1727,7 @@
           <a:p>
             <a:fld id="{820B7818-2032-46A0-A20F-7A3B05D9E04E}" type="datetimeFigureOut">
               <a:rPr lang="de-DE" smtClean="0"/>
-              <a:t>03.06.2016</a:t>
+              <a:t>04.06.2016</a:t>
             </a:fld>
             <a:endParaRPr lang="de-DE"/>
           </a:p>
@@ -1817,7 +1822,7 @@
           <a:p>
             <a:fld id="{820B7818-2032-46A0-A20F-7A3B05D9E04E}" type="datetimeFigureOut">
               <a:rPr lang="de-DE" smtClean="0"/>
-              <a:t>03.06.2016</a:t>
+              <a:t>04.06.2016</a:t>
             </a:fld>
             <a:endParaRPr lang="de-DE"/>
           </a:p>
@@ -2094,7 +2099,7 @@
           <a:p>
             <a:fld id="{820B7818-2032-46A0-A20F-7A3B05D9E04E}" type="datetimeFigureOut">
               <a:rPr lang="de-DE" smtClean="0"/>
-              <a:t>03.06.2016</a:t>
+              <a:t>04.06.2016</a:t>
             </a:fld>
             <a:endParaRPr lang="de-DE"/>
           </a:p>
@@ -2347,7 +2352,7 @@
           <a:p>
             <a:fld id="{820B7818-2032-46A0-A20F-7A3B05D9E04E}" type="datetimeFigureOut">
               <a:rPr lang="de-DE" smtClean="0"/>
-              <a:t>03.06.2016</a:t>
+              <a:t>04.06.2016</a:t>
             </a:fld>
             <a:endParaRPr lang="de-DE"/>
           </a:p>
@@ -2560,7 +2565,7 @@
           <a:p>
             <a:fld id="{820B7818-2032-46A0-A20F-7A3B05D9E04E}" type="datetimeFigureOut">
               <a:rPr lang="de-DE" smtClean="0"/>
-              <a:t>03.06.2016</a:t>
+              <a:t>04.06.2016</a:t>
             </a:fld>
             <a:endParaRPr lang="de-DE"/>
           </a:p>
@@ -4827,13 +4832,13 @@
       </p:cxnSp>
       <p:cxnSp>
         <p:nvCxnSpPr>
-          <p:cNvPr id="22" name="Gerader Verbinder 21"/>
+          <p:cNvPr id="23" name="Gerader Verbinder 22"/>
           <p:cNvCxnSpPr/>
           <p:nvPr/>
         </p:nvCxnSpPr>
         <p:spPr>
           <a:xfrm>
-            <a:off x="5619327" y="2478290"/>
+            <a:off x="5619327" y="2235273"/>
             <a:ext cx="2726725" cy="0"/>
           </a:xfrm>
           <a:prstGeom prst="line">
@@ -4862,13 +4867,1602 @@
       </p:cxnSp>
       <p:cxnSp>
         <p:nvCxnSpPr>
-          <p:cNvPr id="23" name="Gerader Verbinder 22"/>
+          <p:cNvPr id="29" name="Gerader Verbinder 28"/>
           <p:cNvCxnSpPr/>
           <p:nvPr/>
         </p:nvCxnSpPr>
         <p:spPr>
           <a:xfrm>
-            <a:off x="5619327" y="2235273"/>
+            <a:off x="5619327" y="4665437"/>
+            <a:ext cx="2726725" cy="0"/>
+          </a:xfrm>
+          <a:prstGeom prst="line">
+            <a:avLst/>
+          </a:prstGeom>
+          <a:ln>
+            <a:solidFill>
+              <a:schemeClr val="tx1"/>
+            </a:solidFill>
+          </a:ln>
+        </p:spPr>
+        <p:style>
+          <a:lnRef idx="1">
+            <a:schemeClr val="accent1"/>
+          </a:lnRef>
+          <a:fillRef idx="0">
+            <a:schemeClr val="accent1"/>
+          </a:fillRef>
+          <a:effectRef idx="0">
+            <a:schemeClr val="accent1"/>
+          </a:effectRef>
+          <a:fontRef idx="minor">
+            <a:schemeClr val="tx1"/>
+          </a:fontRef>
+        </p:style>
+      </p:cxnSp>
+      <p:cxnSp>
+        <p:nvCxnSpPr>
+          <p:cNvPr id="33" name="Gerader Verbinder 32"/>
+          <p:cNvCxnSpPr/>
+          <p:nvPr/>
+        </p:nvCxnSpPr>
+        <p:spPr>
+          <a:xfrm flipH="1">
+            <a:off x="5202158" y="2235273"/>
+            <a:ext cx="417169" cy="234778"/>
+          </a:xfrm>
+          <a:prstGeom prst="line">
+            <a:avLst/>
+          </a:prstGeom>
+          <a:ln>
+            <a:solidFill>
+              <a:schemeClr val="tx1"/>
+            </a:solidFill>
+          </a:ln>
+        </p:spPr>
+        <p:style>
+          <a:lnRef idx="1">
+            <a:schemeClr val="accent1"/>
+          </a:lnRef>
+          <a:fillRef idx="0">
+            <a:schemeClr val="accent1"/>
+          </a:fillRef>
+          <a:effectRef idx="0">
+            <a:schemeClr val="accent1"/>
+          </a:effectRef>
+          <a:fontRef idx="minor">
+            <a:schemeClr val="tx1"/>
+          </a:fontRef>
+        </p:style>
+      </p:cxnSp>
+      <p:cxnSp>
+        <p:nvCxnSpPr>
+          <p:cNvPr id="35" name="Gerader Verbinder 34"/>
+          <p:cNvCxnSpPr/>
+          <p:nvPr/>
+        </p:nvCxnSpPr>
+        <p:spPr>
+          <a:xfrm flipH="1" flipV="1">
+            <a:off x="5198253" y="2473776"/>
+            <a:ext cx="428156" cy="2283"/>
+          </a:xfrm>
+          <a:prstGeom prst="line">
+            <a:avLst/>
+          </a:prstGeom>
+          <a:ln>
+            <a:solidFill>
+              <a:schemeClr val="tx1"/>
+            </a:solidFill>
+          </a:ln>
+        </p:spPr>
+        <p:style>
+          <a:lnRef idx="1">
+            <a:schemeClr val="accent1"/>
+          </a:lnRef>
+          <a:fillRef idx="0">
+            <a:schemeClr val="accent1"/>
+          </a:fillRef>
+          <a:effectRef idx="0">
+            <a:schemeClr val="accent1"/>
+          </a:effectRef>
+          <a:fontRef idx="minor">
+            <a:schemeClr val="tx1"/>
+          </a:fontRef>
+        </p:style>
+      </p:cxnSp>
+      <p:cxnSp>
+        <p:nvCxnSpPr>
+          <p:cNvPr id="37" name="Gerader Verbinder 36"/>
+          <p:cNvCxnSpPr/>
+          <p:nvPr/>
+        </p:nvCxnSpPr>
+        <p:spPr>
+          <a:xfrm flipH="1" flipV="1">
+            <a:off x="5202158" y="2470049"/>
+            <a:ext cx="417170" cy="251259"/>
+          </a:xfrm>
+          <a:prstGeom prst="line">
+            <a:avLst/>
+          </a:prstGeom>
+          <a:ln>
+            <a:solidFill>
+              <a:schemeClr val="tx1"/>
+            </a:solidFill>
+          </a:ln>
+        </p:spPr>
+        <p:style>
+          <a:lnRef idx="1">
+            <a:schemeClr val="accent1"/>
+          </a:lnRef>
+          <a:fillRef idx="0">
+            <a:schemeClr val="accent1"/>
+          </a:fillRef>
+          <a:effectRef idx="0">
+            <a:schemeClr val="accent1"/>
+          </a:effectRef>
+          <a:fontRef idx="minor">
+            <a:schemeClr val="tx1"/>
+          </a:fontRef>
+        </p:style>
+      </p:cxnSp>
+      <p:cxnSp>
+        <p:nvCxnSpPr>
+          <p:cNvPr id="41" name="Gerader Verbinder 40"/>
+          <p:cNvCxnSpPr/>
+          <p:nvPr/>
+        </p:nvCxnSpPr>
+        <p:spPr>
+          <a:xfrm flipH="1">
+            <a:off x="5203317" y="4179403"/>
+            <a:ext cx="416010" cy="243017"/>
+          </a:xfrm>
+          <a:prstGeom prst="line">
+            <a:avLst/>
+          </a:prstGeom>
+          <a:ln>
+            <a:solidFill>
+              <a:schemeClr val="tx1"/>
+            </a:solidFill>
+          </a:ln>
+        </p:spPr>
+        <p:style>
+          <a:lnRef idx="1">
+            <a:schemeClr val="accent1"/>
+          </a:lnRef>
+          <a:fillRef idx="0">
+            <a:schemeClr val="accent1"/>
+          </a:fillRef>
+          <a:effectRef idx="0">
+            <a:schemeClr val="accent1"/>
+          </a:effectRef>
+          <a:fontRef idx="minor">
+            <a:schemeClr val="tx1"/>
+          </a:fontRef>
+        </p:style>
+      </p:cxnSp>
+      <p:cxnSp>
+        <p:nvCxnSpPr>
+          <p:cNvPr id="43" name="Gerader Verbinder 42"/>
+          <p:cNvCxnSpPr/>
+          <p:nvPr/>
+        </p:nvCxnSpPr>
+        <p:spPr>
+          <a:xfrm flipH="1">
+            <a:off x="5203317" y="4422420"/>
+            <a:ext cx="416010" cy="0"/>
+          </a:xfrm>
+          <a:prstGeom prst="line">
+            <a:avLst/>
+          </a:prstGeom>
+          <a:ln>
+            <a:solidFill>
+              <a:schemeClr val="tx1"/>
+            </a:solidFill>
+          </a:ln>
+        </p:spPr>
+        <p:style>
+          <a:lnRef idx="1">
+            <a:schemeClr val="accent1"/>
+          </a:lnRef>
+          <a:fillRef idx="0">
+            <a:schemeClr val="accent1"/>
+          </a:fillRef>
+          <a:effectRef idx="0">
+            <a:schemeClr val="accent1"/>
+          </a:effectRef>
+          <a:fontRef idx="minor">
+            <a:schemeClr val="tx1"/>
+          </a:fontRef>
+        </p:style>
+      </p:cxnSp>
+      <p:cxnSp>
+        <p:nvCxnSpPr>
+          <p:cNvPr id="45" name="Gerader Verbinder 44"/>
+          <p:cNvCxnSpPr/>
+          <p:nvPr/>
+        </p:nvCxnSpPr>
+        <p:spPr>
+          <a:xfrm flipH="1" flipV="1">
+            <a:off x="5203317" y="4422420"/>
+            <a:ext cx="416010" cy="243017"/>
+          </a:xfrm>
+          <a:prstGeom prst="line">
+            <a:avLst/>
+          </a:prstGeom>
+          <a:ln>
+            <a:solidFill>
+              <a:schemeClr val="tx1"/>
+            </a:solidFill>
+          </a:ln>
+        </p:spPr>
+        <p:style>
+          <a:lnRef idx="1">
+            <a:schemeClr val="accent1"/>
+          </a:lnRef>
+          <a:fillRef idx="0">
+            <a:schemeClr val="accent1"/>
+          </a:fillRef>
+          <a:effectRef idx="0">
+            <a:schemeClr val="accent1"/>
+          </a:effectRef>
+          <a:fontRef idx="minor">
+            <a:schemeClr val="tx1"/>
+          </a:fontRef>
+        </p:style>
+      </p:cxnSp>
+      <p:cxnSp>
+        <p:nvCxnSpPr>
+          <p:cNvPr id="72" name="Gerader Verbinder 71"/>
+          <p:cNvCxnSpPr/>
+          <p:nvPr/>
+        </p:nvCxnSpPr>
+        <p:spPr>
+          <a:xfrm>
+            <a:off x="6103545" y="2717185"/>
+            <a:ext cx="0" cy="1705235"/>
+          </a:xfrm>
+          <a:prstGeom prst="line">
+            <a:avLst/>
+          </a:prstGeom>
+          <a:ln>
+            <a:solidFill>
+              <a:schemeClr val="tx1"/>
+            </a:solidFill>
+            <a:headEnd type="oval" w="sm" len="sm"/>
+            <a:tailEnd type="oval" w="sm" len="sm"/>
+          </a:ln>
+        </p:spPr>
+        <p:style>
+          <a:lnRef idx="1">
+            <a:schemeClr val="accent1"/>
+          </a:lnRef>
+          <a:fillRef idx="0">
+            <a:schemeClr val="accent1"/>
+          </a:fillRef>
+          <a:effectRef idx="0">
+            <a:schemeClr val="accent1"/>
+          </a:effectRef>
+          <a:fontRef idx="minor">
+            <a:schemeClr val="tx1"/>
+          </a:fontRef>
+        </p:style>
+      </p:cxnSp>
+      <p:cxnSp>
+        <p:nvCxnSpPr>
+          <p:cNvPr id="74" name="Gerader Verbinder 73"/>
+          <p:cNvCxnSpPr/>
+          <p:nvPr/>
+        </p:nvCxnSpPr>
+        <p:spPr>
+          <a:xfrm>
+            <a:off x="6330716" y="2470045"/>
+            <a:ext cx="0" cy="1709358"/>
+          </a:xfrm>
+          <a:prstGeom prst="line">
+            <a:avLst/>
+          </a:prstGeom>
+          <a:ln>
+            <a:solidFill>
+              <a:schemeClr val="tx1"/>
+            </a:solidFill>
+            <a:headEnd type="oval" w="sm" len="sm"/>
+            <a:tailEnd type="oval" w="sm" len="sm"/>
+          </a:ln>
+        </p:spPr>
+        <p:style>
+          <a:lnRef idx="1">
+            <a:schemeClr val="accent1"/>
+          </a:lnRef>
+          <a:fillRef idx="0">
+            <a:schemeClr val="accent1"/>
+          </a:fillRef>
+          <a:effectRef idx="0">
+            <a:schemeClr val="accent1"/>
+          </a:effectRef>
+          <a:fontRef idx="minor">
+            <a:schemeClr val="tx1"/>
+          </a:fontRef>
+        </p:style>
+      </p:cxnSp>
+      <p:cxnSp>
+        <p:nvCxnSpPr>
+          <p:cNvPr id="78" name="Gerader Verbinder 77"/>
+          <p:cNvCxnSpPr/>
+          <p:nvPr/>
+        </p:nvCxnSpPr>
+        <p:spPr>
+          <a:xfrm>
+            <a:off x="6785058" y="2717185"/>
+            <a:ext cx="0" cy="1948252"/>
+          </a:xfrm>
+          <a:prstGeom prst="line">
+            <a:avLst/>
+          </a:prstGeom>
+          <a:ln>
+            <a:solidFill>
+              <a:schemeClr val="tx1"/>
+            </a:solidFill>
+            <a:headEnd type="oval" w="sm" len="sm"/>
+            <a:tailEnd type="oval" w="sm" len="sm"/>
+          </a:ln>
+        </p:spPr>
+        <p:style>
+          <a:lnRef idx="1">
+            <a:schemeClr val="accent1"/>
+          </a:lnRef>
+          <a:fillRef idx="0">
+            <a:schemeClr val="accent1"/>
+          </a:fillRef>
+          <a:effectRef idx="0">
+            <a:schemeClr val="accent1"/>
+          </a:effectRef>
+          <a:fontRef idx="minor">
+            <a:schemeClr val="tx1"/>
+          </a:fontRef>
+        </p:style>
+      </p:cxnSp>
+      <p:cxnSp>
+        <p:nvCxnSpPr>
+          <p:cNvPr id="80" name="Gerader Verbinder 79"/>
+          <p:cNvCxnSpPr/>
+          <p:nvPr/>
+        </p:nvCxnSpPr>
+        <p:spPr>
+          <a:xfrm>
+            <a:off x="7012229" y="2478290"/>
+            <a:ext cx="0" cy="1944130"/>
+          </a:xfrm>
+          <a:prstGeom prst="line">
+            <a:avLst/>
+          </a:prstGeom>
+          <a:ln>
+            <a:solidFill>
+              <a:schemeClr val="bg1">
+                <a:lumMod val="75000"/>
+              </a:schemeClr>
+            </a:solidFill>
+            <a:headEnd type="oval" w="sm" len="sm"/>
+            <a:tailEnd type="oval" w="sm" len="sm"/>
+          </a:ln>
+        </p:spPr>
+        <p:style>
+          <a:lnRef idx="1">
+            <a:schemeClr val="accent1"/>
+          </a:lnRef>
+          <a:fillRef idx="0">
+            <a:schemeClr val="accent1"/>
+          </a:fillRef>
+          <a:effectRef idx="0">
+            <a:schemeClr val="accent1"/>
+          </a:effectRef>
+          <a:fontRef idx="minor">
+            <a:schemeClr val="tx1"/>
+          </a:fontRef>
+        </p:style>
+      </p:cxnSp>
+      <p:cxnSp>
+        <p:nvCxnSpPr>
+          <p:cNvPr id="82" name="Gerader Verbinder 81"/>
+          <p:cNvCxnSpPr/>
+          <p:nvPr/>
+        </p:nvCxnSpPr>
+        <p:spPr>
+          <a:xfrm>
+            <a:off x="7239400" y="2231151"/>
+            <a:ext cx="0" cy="1948252"/>
+          </a:xfrm>
+          <a:prstGeom prst="line">
+            <a:avLst/>
+          </a:prstGeom>
+          <a:ln>
+            <a:solidFill>
+              <a:schemeClr val="tx1"/>
+            </a:solidFill>
+            <a:headEnd type="oval" w="sm" len="sm"/>
+            <a:tailEnd type="oval" w="sm" len="sm"/>
+          </a:ln>
+        </p:spPr>
+        <p:style>
+          <a:lnRef idx="1">
+            <a:schemeClr val="accent1"/>
+          </a:lnRef>
+          <a:fillRef idx="0">
+            <a:schemeClr val="accent1"/>
+          </a:fillRef>
+          <a:effectRef idx="0">
+            <a:schemeClr val="accent1"/>
+          </a:effectRef>
+          <a:fontRef idx="minor">
+            <a:schemeClr val="tx1"/>
+          </a:fontRef>
+        </p:style>
+      </p:cxnSp>
+      <p:cxnSp>
+        <p:nvCxnSpPr>
+          <p:cNvPr id="86" name="Gerader Verbinder 85"/>
+          <p:cNvCxnSpPr/>
+          <p:nvPr/>
+        </p:nvCxnSpPr>
+        <p:spPr>
+          <a:xfrm>
+            <a:off x="7693742" y="2478290"/>
+            <a:ext cx="0" cy="2187147"/>
+          </a:xfrm>
+          <a:prstGeom prst="line">
+            <a:avLst/>
+          </a:prstGeom>
+          <a:ln>
+            <a:solidFill>
+              <a:schemeClr val="tx1"/>
+            </a:solidFill>
+            <a:headEnd type="oval" w="sm" len="sm"/>
+            <a:tailEnd type="oval" w="sm" len="sm"/>
+          </a:ln>
+        </p:spPr>
+        <p:style>
+          <a:lnRef idx="1">
+            <a:schemeClr val="accent1"/>
+          </a:lnRef>
+          <a:fillRef idx="0">
+            <a:schemeClr val="accent1"/>
+          </a:fillRef>
+          <a:effectRef idx="0">
+            <a:schemeClr val="accent1"/>
+          </a:effectRef>
+          <a:fontRef idx="minor">
+            <a:schemeClr val="tx1"/>
+          </a:fontRef>
+        </p:style>
+      </p:cxnSp>
+      <p:cxnSp>
+        <p:nvCxnSpPr>
+          <p:cNvPr id="88" name="Gerader Verbinder 87"/>
+          <p:cNvCxnSpPr/>
+          <p:nvPr/>
+        </p:nvCxnSpPr>
+        <p:spPr>
+          <a:xfrm>
+            <a:off x="7920913" y="2231151"/>
+            <a:ext cx="0" cy="2191269"/>
+          </a:xfrm>
+          <a:prstGeom prst="line">
+            <a:avLst/>
+          </a:prstGeom>
+          <a:ln>
+            <a:solidFill>
+              <a:schemeClr val="tx1"/>
+            </a:solidFill>
+            <a:headEnd type="oval" w="sm" len="sm"/>
+            <a:tailEnd type="oval" w="sm" len="sm"/>
+          </a:ln>
+        </p:spPr>
+        <p:style>
+          <a:lnRef idx="1">
+            <a:schemeClr val="accent1"/>
+          </a:lnRef>
+          <a:fillRef idx="0">
+            <a:schemeClr val="accent1"/>
+          </a:fillRef>
+          <a:effectRef idx="0">
+            <a:schemeClr val="accent1"/>
+          </a:effectRef>
+          <a:fontRef idx="minor">
+            <a:schemeClr val="tx1"/>
+          </a:fontRef>
+        </p:style>
+      </p:cxnSp>
+      <p:sp>
+        <p:nvSpPr>
+          <p:cNvPr id="93" name="Textfeld 92"/>
+          <p:cNvSpPr txBox="1"/>
+          <p:nvPr/>
+        </p:nvSpPr>
+        <p:spPr>
+          <a:xfrm>
+            <a:off x="4590394" y="1543050"/>
+            <a:ext cx="607859" cy="307777"/>
+          </a:xfrm>
+          <a:prstGeom prst="rect">
+            <a:avLst/>
+          </a:prstGeom>
+          <a:noFill/>
+        </p:spPr>
+        <p:txBody>
+          <a:bodyPr wrap="none" rtlCol="0">
+            <a:spAutoFit/>
+          </a:bodyPr>
+          <a:lstStyle/>
+          <a:p>
+            <a:r>
+              <a:rPr lang="de-DE" sz="1400" dirty="0" smtClean="0">
+                <a:latin typeface="Arial" panose="020B0604020202020204" pitchFamily="34" charset="0"/>
+                <a:cs typeface="Arial" panose="020B0604020202020204" pitchFamily="34" charset="0"/>
+              </a:rPr>
+              <a:t>B = 0</a:t>
+            </a:r>
+            <a:endParaRPr lang="de-DE" sz="1400" dirty="0">
+              <a:latin typeface="Arial" panose="020B0604020202020204" pitchFamily="34" charset="0"/>
+              <a:cs typeface="Arial" panose="020B0604020202020204" pitchFamily="34" charset="0"/>
+            </a:endParaRPr>
+          </a:p>
+        </p:txBody>
+      </p:sp>
+      <p:sp>
+        <p:nvSpPr>
+          <p:cNvPr id="95" name="Textfeld 94"/>
+          <p:cNvSpPr txBox="1"/>
+          <p:nvPr/>
+        </p:nvSpPr>
+        <p:spPr>
+          <a:xfrm>
+            <a:off x="5202158" y="1543017"/>
+            <a:ext cx="601447" cy="307777"/>
+          </a:xfrm>
+          <a:prstGeom prst="rect">
+            <a:avLst/>
+          </a:prstGeom>
+          <a:noFill/>
+        </p:spPr>
+        <p:txBody>
+          <a:bodyPr wrap="none" rtlCol="0">
+            <a:spAutoFit/>
+          </a:bodyPr>
+          <a:lstStyle/>
+          <a:p>
+            <a:r>
+              <a:rPr lang="de-DE" sz="1400" dirty="0" smtClean="0">
+                <a:latin typeface="Arial" panose="020B0604020202020204" pitchFamily="34" charset="0"/>
+                <a:cs typeface="Arial" panose="020B0604020202020204" pitchFamily="34" charset="0"/>
+              </a:rPr>
+              <a:t>B </a:t>
+            </a:r>
+            <a:r>
+              <a:rPr lang="de-DE" sz="1400" dirty="0">
+                <a:latin typeface="Arial" panose="020B0604020202020204" pitchFamily="34" charset="0"/>
+                <a:cs typeface="Arial" panose="020B0604020202020204" pitchFamily="34" charset="0"/>
+              </a:rPr>
+              <a:t>≠</a:t>
+            </a:r>
+            <a:r>
+              <a:rPr lang="de-DE" sz="1400" dirty="0" smtClean="0">
+                <a:latin typeface="Arial" panose="020B0604020202020204" pitchFamily="34" charset="0"/>
+                <a:cs typeface="Arial" panose="020B0604020202020204" pitchFamily="34" charset="0"/>
+              </a:rPr>
+              <a:t> 0</a:t>
+            </a:r>
+            <a:endParaRPr lang="de-DE" sz="1400" dirty="0">
+              <a:latin typeface="Arial" panose="020B0604020202020204" pitchFamily="34" charset="0"/>
+              <a:cs typeface="Arial" panose="020B0604020202020204" pitchFamily="34" charset="0"/>
+            </a:endParaRPr>
+          </a:p>
+        </p:txBody>
+      </p:sp>
+      <p:sp>
+        <p:nvSpPr>
+          <p:cNvPr id="98" name="Textfeld 97"/>
+          <p:cNvSpPr txBox="1"/>
+          <p:nvPr/>
+        </p:nvSpPr>
+        <p:spPr>
+          <a:xfrm>
+            <a:off x="3499677" y="3085829"/>
+            <a:ext cx="1043876" cy="523220"/>
+          </a:xfrm>
+          <a:prstGeom prst="rect">
+            <a:avLst/>
+          </a:prstGeom>
+          <a:noFill/>
+        </p:spPr>
+        <p:txBody>
+          <a:bodyPr wrap="none" rtlCol="0">
+            <a:spAutoFit/>
+          </a:bodyPr>
+          <a:lstStyle/>
+          <a:p>
+            <a:r>
+              <a:rPr lang="el-GR" sz="1400" dirty="0">
+                <a:latin typeface="Arial" panose="020B0604020202020204" pitchFamily="34" charset="0"/>
+                <a:cs typeface="Arial" panose="020B0604020202020204" pitchFamily="34" charset="0"/>
+              </a:rPr>
+              <a:t>λ</a:t>
+            </a:r>
+            <a:r>
+              <a:rPr lang="de-DE" sz="1400" dirty="0" smtClean="0">
+                <a:latin typeface="Arial" panose="020B0604020202020204" pitchFamily="34" charset="0"/>
+                <a:cs typeface="Arial" panose="020B0604020202020204" pitchFamily="34" charset="0"/>
+              </a:rPr>
+              <a:t> = 480nm</a:t>
+            </a:r>
+          </a:p>
+          <a:p>
+            <a:r>
+              <a:rPr lang="de-DE" sz="1400" dirty="0" smtClean="0">
+                <a:latin typeface="Arial" panose="020B0604020202020204" pitchFamily="34" charset="0"/>
+                <a:cs typeface="Arial" panose="020B0604020202020204" pitchFamily="34" charset="0"/>
+              </a:rPr>
+              <a:t>E</a:t>
+            </a:r>
+            <a:r>
+              <a:rPr lang="de-DE" sz="1400" baseline="-25000" dirty="0" smtClean="0">
+                <a:latin typeface="Arial" panose="020B0604020202020204" pitchFamily="34" charset="0"/>
+                <a:cs typeface="Arial" panose="020B0604020202020204" pitchFamily="34" charset="0"/>
+              </a:rPr>
+              <a:t>0</a:t>
+            </a:r>
+            <a:r>
+              <a:rPr lang="de-DE" sz="1400" dirty="0" smtClean="0">
+                <a:latin typeface="Arial" panose="020B0604020202020204" pitchFamily="34" charset="0"/>
+                <a:cs typeface="Arial" panose="020B0604020202020204" pitchFamily="34" charset="0"/>
+              </a:rPr>
+              <a:t> = 2,6eV</a:t>
+            </a:r>
+            <a:endParaRPr lang="de-DE" sz="1400" dirty="0">
+              <a:latin typeface="Arial" panose="020B0604020202020204" pitchFamily="34" charset="0"/>
+              <a:cs typeface="Arial" panose="020B0604020202020204" pitchFamily="34" charset="0"/>
+            </a:endParaRPr>
+          </a:p>
+        </p:txBody>
+      </p:sp>
+      <p:sp>
+        <p:nvSpPr>
+          <p:cNvPr id="99" name="Textfeld 98"/>
+          <p:cNvSpPr txBox="1"/>
+          <p:nvPr/>
+        </p:nvSpPr>
+        <p:spPr>
+          <a:xfrm>
+            <a:off x="8386939" y="1850794"/>
+            <a:ext cx="343364" cy="1069524"/>
+          </a:xfrm>
+          <a:prstGeom prst="rect">
+            <a:avLst/>
+          </a:prstGeom>
+          <a:noFill/>
+        </p:spPr>
+        <p:txBody>
+          <a:bodyPr wrap="none" rtlCol="0">
+            <a:spAutoFit/>
+          </a:bodyPr>
+          <a:lstStyle/>
+          <a:p>
+            <a:pPr algn="r">
+              <a:spcBef>
+                <a:spcPts val="300"/>
+              </a:spcBef>
+            </a:pPr>
+            <a:r>
+              <a:rPr lang="de-DE" sz="1400" dirty="0" smtClean="0">
+                <a:latin typeface="Arial" panose="020B0604020202020204" pitchFamily="34" charset="0"/>
+                <a:cs typeface="Arial" panose="020B0604020202020204" pitchFamily="34" charset="0"/>
+              </a:rPr>
+              <a:t>m</a:t>
+            </a:r>
+          </a:p>
+          <a:p>
+            <a:pPr algn="r">
+              <a:spcBef>
+                <a:spcPts val="300"/>
+              </a:spcBef>
+            </a:pPr>
+            <a:r>
+              <a:rPr lang="de-DE" sz="1400" dirty="0" smtClean="0">
+                <a:latin typeface="Arial" panose="020B0604020202020204" pitchFamily="34" charset="0"/>
+                <a:cs typeface="Arial" panose="020B0604020202020204" pitchFamily="34" charset="0"/>
+              </a:rPr>
+              <a:t>1</a:t>
+            </a:r>
+          </a:p>
+          <a:p>
+            <a:pPr algn="r">
+              <a:spcBef>
+                <a:spcPts val="300"/>
+              </a:spcBef>
+            </a:pPr>
+            <a:r>
+              <a:rPr lang="de-DE" sz="1400" dirty="0" smtClean="0">
+                <a:latin typeface="Arial" panose="020B0604020202020204" pitchFamily="34" charset="0"/>
+                <a:cs typeface="Arial" panose="020B0604020202020204" pitchFamily="34" charset="0"/>
+              </a:rPr>
+              <a:t>0</a:t>
+            </a:r>
+          </a:p>
+          <a:p>
+            <a:pPr algn="r">
+              <a:spcBef>
+                <a:spcPts val="300"/>
+              </a:spcBef>
+            </a:pPr>
+            <a:r>
+              <a:rPr lang="de-DE" sz="1400" dirty="0" smtClean="0">
+                <a:latin typeface="Arial" panose="020B0604020202020204" pitchFamily="34" charset="0"/>
+                <a:cs typeface="Arial" panose="020B0604020202020204" pitchFamily="34" charset="0"/>
+              </a:rPr>
+              <a:t>-1</a:t>
+            </a:r>
+          </a:p>
+        </p:txBody>
+      </p:sp>
+      <p:sp>
+        <p:nvSpPr>
+          <p:cNvPr id="101" name="Textfeld 100"/>
+          <p:cNvSpPr txBox="1"/>
+          <p:nvPr/>
+        </p:nvSpPr>
+        <p:spPr>
+          <a:xfrm>
+            <a:off x="5202158" y="4798676"/>
+            <a:ext cx="453970" cy="307777"/>
+          </a:xfrm>
+          <a:prstGeom prst="rect">
+            <a:avLst/>
+          </a:prstGeom>
+          <a:noFill/>
+        </p:spPr>
+        <p:txBody>
+          <a:bodyPr wrap="none" rtlCol="0">
+            <a:spAutoFit/>
+          </a:bodyPr>
+          <a:lstStyle/>
+          <a:p>
+            <a:r>
+              <a:rPr lang="el-GR" sz="1400" dirty="0" smtClean="0">
+                <a:latin typeface="Arial" panose="020B0604020202020204" pitchFamily="34" charset="0"/>
+                <a:cs typeface="Arial" panose="020B0604020202020204" pitchFamily="34" charset="0"/>
+              </a:rPr>
+              <a:t>Δ</a:t>
+            </a:r>
+            <a:r>
+              <a:rPr lang="de-DE" sz="1400" dirty="0" smtClean="0">
+                <a:latin typeface="Arial" panose="020B0604020202020204" pitchFamily="34" charset="0"/>
+                <a:cs typeface="Arial" panose="020B0604020202020204" pitchFamily="34" charset="0"/>
+              </a:rPr>
+              <a:t>m</a:t>
+            </a:r>
+            <a:endParaRPr lang="de-DE" sz="1400" dirty="0">
+              <a:latin typeface="Arial" panose="020B0604020202020204" pitchFamily="34" charset="0"/>
+              <a:cs typeface="Arial" panose="020B0604020202020204" pitchFamily="34" charset="0"/>
+            </a:endParaRPr>
+          </a:p>
+        </p:txBody>
+      </p:sp>
+      <p:sp>
+        <p:nvSpPr>
+          <p:cNvPr id="103" name="Textfeld 102"/>
+          <p:cNvSpPr txBox="1"/>
+          <p:nvPr/>
+        </p:nvSpPr>
+        <p:spPr>
+          <a:xfrm>
+            <a:off x="5904083" y="4795064"/>
+            <a:ext cx="388248" cy="523220"/>
+          </a:xfrm>
+          <a:prstGeom prst="rect">
+            <a:avLst/>
+          </a:prstGeom>
+          <a:noFill/>
+        </p:spPr>
+        <p:txBody>
+          <a:bodyPr wrap="none" rtlCol="0">
+            <a:spAutoFit/>
+          </a:bodyPr>
+          <a:lstStyle/>
+          <a:p>
+            <a:pPr algn="ctr"/>
+            <a:r>
+              <a:rPr lang="de-DE" sz="1400" dirty="0" smtClean="0">
+                <a:latin typeface="Arial" panose="020B0604020202020204" pitchFamily="34" charset="0"/>
+                <a:cs typeface="Arial" panose="020B0604020202020204" pitchFamily="34" charset="0"/>
+              </a:rPr>
+              <a:t>+1</a:t>
+            </a:r>
+          </a:p>
+          <a:p>
+            <a:pPr algn="ctr"/>
+            <a:r>
+              <a:rPr lang="el-GR" sz="1400" dirty="0" smtClean="0">
+                <a:latin typeface="Arial" panose="020B0604020202020204" pitchFamily="34" charset="0"/>
+                <a:cs typeface="Arial" panose="020B0604020202020204" pitchFamily="34" charset="0"/>
+              </a:rPr>
+              <a:t>σ</a:t>
+            </a:r>
+            <a:r>
+              <a:rPr lang="de-DE" sz="1400" baseline="30000" dirty="0" smtClean="0">
+                <a:latin typeface="Arial" panose="020B0604020202020204" pitchFamily="34" charset="0"/>
+                <a:cs typeface="Arial" panose="020B0604020202020204" pitchFamily="34" charset="0"/>
+              </a:rPr>
+              <a:t>+</a:t>
+            </a:r>
+            <a:endParaRPr lang="de-DE" sz="1400" baseline="30000" dirty="0">
+              <a:latin typeface="Arial" panose="020B0604020202020204" pitchFamily="34" charset="0"/>
+              <a:cs typeface="Arial" panose="020B0604020202020204" pitchFamily="34" charset="0"/>
+            </a:endParaRPr>
+          </a:p>
+        </p:txBody>
+      </p:sp>
+      <p:sp>
+        <p:nvSpPr>
+          <p:cNvPr id="104" name="Textfeld 103"/>
+          <p:cNvSpPr txBox="1"/>
+          <p:nvPr/>
+        </p:nvSpPr>
+        <p:spPr>
+          <a:xfrm>
+            <a:off x="6858179" y="4795064"/>
+            <a:ext cx="308098" cy="523220"/>
+          </a:xfrm>
+          <a:prstGeom prst="rect">
+            <a:avLst/>
+          </a:prstGeom>
+          <a:noFill/>
+        </p:spPr>
+        <p:txBody>
+          <a:bodyPr wrap="none" rtlCol="0">
+            <a:spAutoFit/>
+          </a:bodyPr>
+          <a:lstStyle/>
+          <a:p>
+            <a:pPr algn="ctr"/>
+            <a:r>
+              <a:rPr lang="de-DE" sz="1400" dirty="0" smtClean="0">
+                <a:latin typeface="Arial" panose="020B0604020202020204" pitchFamily="34" charset="0"/>
+                <a:cs typeface="Arial" panose="020B0604020202020204" pitchFamily="34" charset="0"/>
+              </a:rPr>
+              <a:t>0</a:t>
+            </a:r>
+          </a:p>
+          <a:p>
+            <a:pPr algn="ctr"/>
+            <a:r>
+              <a:rPr lang="el-GR" sz="1400" dirty="0" smtClean="0">
+                <a:latin typeface="Arial" panose="020B0604020202020204" pitchFamily="34" charset="0"/>
+                <a:cs typeface="Arial" panose="020B0604020202020204" pitchFamily="34" charset="0"/>
+              </a:rPr>
+              <a:t>π</a:t>
+            </a:r>
+            <a:endParaRPr lang="de-DE" sz="1400" dirty="0">
+              <a:latin typeface="Arial" panose="020B0604020202020204" pitchFamily="34" charset="0"/>
+              <a:cs typeface="Arial" panose="020B0604020202020204" pitchFamily="34" charset="0"/>
+            </a:endParaRPr>
+          </a:p>
+        </p:txBody>
+      </p:sp>
+      <p:sp>
+        <p:nvSpPr>
+          <p:cNvPr id="105" name="Textfeld 104"/>
+          <p:cNvSpPr txBox="1"/>
+          <p:nvPr/>
+        </p:nvSpPr>
+        <p:spPr>
+          <a:xfrm>
+            <a:off x="7754570" y="4795064"/>
+            <a:ext cx="343364" cy="523220"/>
+          </a:xfrm>
+          <a:prstGeom prst="rect">
+            <a:avLst/>
+          </a:prstGeom>
+          <a:noFill/>
+        </p:spPr>
+        <p:txBody>
+          <a:bodyPr wrap="none" rtlCol="0">
+            <a:spAutoFit/>
+          </a:bodyPr>
+          <a:lstStyle/>
+          <a:p>
+            <a:pPr algn="ctr"/>
+            <a:r>
+              <a:rPr lang="de-DE" sz="1400" dirty="0" smtClean="0">
+                <a:latin typeface="Arial" panose="020B0604020202020204" pitchFamily="34" charset="0"/>
+                <a:cs typeface="Arial" panose="020B0604020202020204" pitchFamily="34" charset="0"/>
+              </a:rPr>
+              <a:t>-1</a:t>
+            </a:r>
+          </a:p>
+          <a:p>
+            <a:pPr algn="ctr"/>
+            <a:r>
+              <a:rPr lang="el-GR" sz="1400" dirty="0" smtClean="0">
+                <a:latin typeface="Arial" panose="020B0604020202020204" pitchFamily="34" charset="0"/>
+                <a:cs typeface="Arial" panose="020B0604020202020204" pitchFamily="34" charset="0"/>
+              </a:rPr>
+              <a:t>σ</a:t>
+            </a:r>
+            <a:r>
+              <a:rPr lang="de-DE" sz="1400" baseline="30000" dirty="0" smtClean="0">
+                <a:latin typeface="Arial" panose="020B0604020202020204" pitchFamily="34" charset="0"/>
+                <a:cs typeface="Arial" panose="020B0604020202020204" pitchFamily="34" charset="0"/>
+              </a:rPr>
+              <a:t>-</a:t>
+            </a:r>
+            <a:endParaRPr lang="de-DE" sz="1400" baseline="30000" dirty="0">
+              <a:latin typeface="Arial" panose="020B0604020202020204" pitchFamily="34" charset="0"/>
+              <a:cs typeface="Arial" panose="020B0604020202020204" pitchFamily="34" charset="0"/>
+            </a:endParaRPr>
+          </a:p>
+        </p:txBody>
+      </p:sp>
+      <p:sp>
+        <p:nvSpPr>
+          <p:cNvPr id="106" name="Textfeld 105"/>
+          <p:cNvSpPr txBox="1"/>
+          <p:nvPr/>
+        </p:nvSpPr>
+        <p:spPr>
+          <a:xfrm>
+            <a:off x="3499677" y="2097668"/>
+            <a:ext cx="508473" cy="369332"/>
+          </a:xfrm>
+          <a:prstGeom prst="rect">
+            <a:avLst/>
+          </a:prstGeom>
+          <a:noFill/>
+        </p:spPr>
+        <p:txBody>
+          <a:bodyPr wrap="none" rtlCol="0">
+            <a:spAutoFit/>
+          </a:bodyPr>
+          <a:lstStyle/>
+          <a:p>
+            <a:r>
+              <a:rPr lang="de-DE" baseline="30000" dirty="0" smtClean="0">
+                <a:latin typeface="Arial" panose="020B0604020202020204" pitchFamily="34" charset="0"/>
+                <a:cs typeface="Arial" panose="020B0604020202020204" pitchFamily="34" charset="0"/>
+              </a:rPr>
+              <a:t>3</a:t>
+            </a:r>
+            <a:r>
+              <a:rPr lang="de-DE" dirty="0" smtClean="0">
+                <a:latin typeface="Arial" panose="020B0604020202020204" pitchFamily="34" charset="0"/>
+                <a:cs typeface="Arial" panose="020B0604020202020204" pitchFamily="34" charset="0"/>
+              </a:rPr>
+              <a:t>S</a:t>
+            </a:r>
+            <a:r>
+              <a:rPr lang="de-DE" baseline="-25000" dirty="0">
+                <a:latin typeface="Arial" panose="020B0604020202020204" pitchFamily="34" charset="0"/>
+                <a:cs typeface="Arial" panose="020B0604020202020204" pitchFamily="34" charset="0"/>
+              </a:rPr>
+              <a:t>1</a:t>
+            </a:r>
+          </a:p>
+        </p:txBody>
+      </p:sp>
+      <p:sp>
+        <p:nvSpPr>
+          <p:cNvPr id="107" name="Textfeld 106"/>
+          <p:cNvSpPr txBox="1"/>
+          <p:nvPr/>
+        </p:nvSpPr>
+        <p:spPr>
+          <a:xfrm>
+            <a:off x="3499677" y="4055300"/>
+            <a:ext cx="508473" cy="369332"/>
+          </a:xfrm>
+          <a:prstGeom prst="rect">
+            <a:avLst/>
+          </a:prstGeom>
+          <a:noFill/>
+        </p:spPr>
+        <p:txBody>
+          <a:bodyPr wrap="none" rtlCol="0">
+            <a:spAutoFit/>
+          </a:bodyPr>
+          <a:lstStyle/>
+          <a:p>
+            <a:r>
+              <a:rPr lang="de-DE" baseline="30000" dirty="0" smtClean="0">
+                <a:latin typeface="Arial" panose="020B0604020202020204" pitchFamily="34" charset="0"/>
+                <a:cs typeface="Arial" panose="020B0604020202020204" pitchFamily="34" charset="0"/>
+              </a:rPr>
+              <a:t>3</a:t>
+            </a:r>
+            <a:r>
+              <a:rPr lang="de-DE" dirty="0" smtClean="0">
+                <a:latin typeface="Arial" panose="020B0604020202020204" pitchFamily="34" charset="0"/>
+                <a:cs typeface="Arial" panose="020B0604020202020204" pitchFamily="34" charset="0"/>
+              </a:rPr>
+              <a:t>P</a:t>
+            </a:r>
+            <a:r>
+              <a:rPr lang="de-DE" baseline="-25000" dirty="0" smtClean="0">
+                <a:latin typeface="Arial" panose="020B0604020202020204" pitchFamily="34" charset="0"/>
+                <a:cs typeface="Arial" panose="020B0604020202020204" pitchFamily="34" charset="0"/>
+              </a:rPr>
+              <a:t>1</a:t>
+            </a:r>
+            <a:endParaRPr lang="de-DE" baseline="-25000" dirty="0">
+              <a:latin typeface="Arial" panose="020B0604020202020204" pitchFamily="34" charset="0"/>
+              <a:cs typeface="Arial" panose="020B0604020202020204" pitchFamily="34" charset="0"/>
+            </a:endParaRPr>
+          </a:p>
+        </p:txBody>
+      </p:sp>
+      <p:sp>
+        <p:nvSpPr>
+          <p:cNvPr id="109" name="Textfeld 108"/>
+          <p:cNvSpPr txBox="1"/>
+          <p:nvPr/>
+        </p:nvSpPr>
+        <p:spPr>
+          <a:xfrm>
+            <a:off x="3499677" y="2492231"/>
+            <a:ext cx="1672253" cy="215444"/>
+          </a:xfrm>
+          <a:prstGeom prst="rect">
+            <a:avLst/>
+          </a:prstGeom>
+          <a:noFill/>
+        </p:spPr>
+        <p:txBody>
+          <a:bodyPr wrap="none" rtlCol="0">
+            <a:spAutoFit/>
+          </a:bodyPr>
+          <a:lstStyle/>
+          <a:p>
+            <a:r>
+              <a:rPr lang="de-DE" sz="800" dirty="0" smtClean="0">
+                <a:latin typeface="Arial" panose="020B0604020202020204" pitchFamily="34" charset="0"/>
+                <a:cs typeface="Arial" panose="020B0604020202020204" pitchFamily="34" charset="0"/>
+              </a:rPr>
+              <a:t>M = 3, J = 1, S = 1, L = 0, g</a:t>
+            </a:r>
+            <a:r>
+              <a:rPr lang="de-DE" sz="800" baseline="-25000" dirty="0" smtClean="0">
+                <a:latin typeface="Arial" panose="020B0604020202020204" pitchFamily="34" charset="0"/>
+                <a:cs typeface="Arial" panose="020B0604020202020204" pitchFamily="34" charset="0"/>
+              </a:rPr>
+              <a:t>J</a:t>
+            </a:r>
+            <a:r>
+              <a:rPr lang="de-DE" sz="800" dirty="0" smtClean="0">
+                <a:latin typeface="Arial" panose="020B0604020202020204" pitchFamily="34" charset="0"/>
+                <a:cs typeface="Arial" panose="020B0604020202020204" pitchFamily="34" charset="0"/>
+              </a:rPr>
+              <a:t> = 2 </a:t>
+            </a:r>
+            <a:endParaRPr lang="de-DE" sz="800" dirty="0">
+              <a:latin typeface="Arial" panose="020B0604020202020204" pitchFamily="34" charset="0"/>
+              <a:cs typeface="Arial" panose="020B0604020202020204" pitchFamily="34" charset="0"/>
+            </a:endParaRPr>
+          </a:p>
+        </p:txBody>
+      </p:sp>
+      <p:sp>
+        <p:nvSpPr>
+          <p:cNvPr id="110" name="Textfeld 109"/>
+          <p:cNvSpPr txBox="1"/>
+          <p:nvPr/>
+        </p:nvSpPr>
+        <p:spPr>
+          <a:xfrm>
+            <a:off x="3499677" y="4460893"/>
+            <a:ext cx="1729961" cy="215444"/>
+          </a:xfrm>
+          <a:prstGeom prst="rect">
+            <a:avLst/>
+          </a:prstGeom>
+          <a:noFill/>
+        </p:spPr>
+        <p:txBody>
+          <a:bodyPr wrap="none" rtlCol="0">
+            <a:spAutoFit/>
+          </a:bodyPr>
+          <a:lstStyle/>
+          <a:p>
+            <a:r>
+              <a:rPr lang="de-DE" sz="800" dirty="0" smtClean="0">
+                <a:latin typeface="Arial" panose="020B0604020202020204" pitchFamily="34" charset="0"/>
+                <a:cs typeface="Arial" panose="020B0604020202020204" pitchFamily="34" charset="0"/>
+              </a:rPr>
+              <a:t>M = 3, J = 1, S = 1, L = 1, g</a:t>
+            </a:r>
+            <a:r>
+              <a:rPr lang="de-DE" sz="800" baseline="-25000" dirty="0" smtClean="0">
+                <a:latin typeface="Arial" panose="020B0604020202020204" pitchFamily="34" charset="0"/>
+                <a:cs typeface="Arial" panose="020B0604020202020204" pitchFamily="34" charset="0"/>
+              </a:rPr>
+              <a:t>J</a:t>
+            </a:r>
+            <a:r>
+              <a:rPr lang="de-DE" sz="800" dirty="0" smtClean="0">
+                <a:latin typeface="Arial" panose="020B0604020202020204" pitchFamily="34" charset="0"/>
+                <a:cs typeface="Arial" panose="020B0604020202020204" pitchFamily="34" charset="0"/>
+              </a:rPr>
+              <a:t> = 1,5</a:t>
+            </a:r>
+            <a:endParaRPr lang="de-DE" sz="800" dirty="0">
+              <a:latin typeface="Arial" panose="020B0604020202020204" pitchFamily="34" charset="0"/>
+              <a:cs typeface="Arial" panose="020B0604020202020204" pitchFamily="34" charset="0"/>
+            </a:endParaRPr>
+          </a:p>
+        </p:txBody>
+      </p:sp>
+      <p:sp>
+        <p:nvSpPr>
+          <p:cNvPr id="46" name="Textfeld 45"/>
+          <p:cNvSpPr txBox="1"/>
+          <p:nvPr/>
+        </p:nvSpPr>
+        <p:spPr>
+          <a:xfrm>
+            <a:off x="8776611" y="1850794"/>
+            <a:ext cx="433132" cy="1069524"/>
+          </a:xfrm>
+          <a:prstGeom prst="rect">
+            <a:avLst/>
+          </a:prstGeom>
+          <a:noFill/>
+        </p:spPr>
+        <p:txBody>
+          <a:bodyPr wrap="none" rtlCol="0">
+            <a:spAutoFit/>
+          </a:bodyPr>
+          <a:lstStyle/>
+          <a:p>
+            <a:pPr algn="r">
+              <a:spcBef>
+                <a:spcPts val="300"/>
+              </a:spcBef>
+            </a:pPr>
+            <a:r>
+              <a:rPr lang="de-DE" sz="1400" dirty="0" smtClean="0">
+                <a:latin typeface="Arial" panose="020B0604020202020204" pitchFamily="34" charset="0"/>
+                <a:cs typeface="Arial" panose="020B0604020202020204" pitchFamily="34" charset="0"/>
+              </a:rPr>
+              <a:t>mg</a:t>
+            </a:r>
+          </a:p>
+          <a:p>
+            <a:pPr algn="r">
+              <a:spcBef>
+                <a:spcPts val="300"/>
+              </a:spcBef>
+            </a:pPr>
+            <a:r>
+              <a:rPr lang="de-DE" sz="1400" dirty="0" smtClean="0">
+                <a:latin typeface="Arial" panose="020B0604020202020204" pitchFamily="34" charset="0"/>
+                <a:cs typeface="Arial" panose="020B0604020202020204" pitchFamily="34" charset="0"/>
+              </a:rPr>
+              <a:t>2</a:t>
+            </a:r>
+          </a:p>
+          <a:p>
+            <a:pPr algn="r">
+              <a:spcBef>
+                <a:spcPts val="300"/>
+              </a:spcBef>
+            </a:pPr>
+            <a:r>
+              <a:rPr lang="de-DE" sz="1400" dirty="0" smtClean="0">
+                <a:latin typeface="Arial" panose="020B0604020202020204" pitchFamily="34" charset="0"/>
+                <a:cs typeface="Arial" panose="020B0604020202020204" pitchFamily="34" charset="0"/>
+              </a:rPr>
+              <a:t>0</a:t>
+            </a:r>
+          </a:p>
+          <a:p>
+            <a:pPr algn="r">
+              <a:spcBef>
+                <a:spcPts val="300"/>
+              </a:spcBef>
+            </a:pPr>
+            <a:r>
+              <a:rPr lang="de-DE" sz="1400" dirty="0" smtClean="0">
+                <a:latin typeface="Arial" panose="020B0604020202020204" pitchFamily="34" charset="0"/>
+                <a:cs typeface="Arial" panose="020B0604020202020204" pitchFamily="34" charset="0"/>
+              </a:rPr>
+              <a:t>-2</a:t>
+            </a:r>
+          </a:p>
+        </p:txBody>
+      </p:sp>
+      <p:sp>
+        <p:nvSpPr>
+          <p:cNvPr id="48" name="Textfeld 47"/>
+          <p:cNvSpPr txBox="1"/>
+          <p:nvPr/>
+        </p:nvSpPr>
+        <p:spPr>
+          <a:xfrm>
+            <a:off x="8386939" y="3725540"/>
+            <a:ext cx="343364" cy="1069524"/>
+          </a:xfrm>
+          <a:prstGeom prst="rect">
+            <a:avLst/>
+          </a:prstGeom>
+          <a:noFill/>
+        </p:spPr>
+        <p:txBody>
+          <a:bodyPr wrap="none" rtlCol="0">
+            <a:spAutoFit/>
+          </a:bodyPr>
+          <a:lstStyle/>
+          <a:p>
+            <a:pPr algn="r">
+              <a:spcBef>
+                <a:spcPts val="300"/>
+              </a:spcBef>
+            </a:pPr>
+            <a:r>
+              <a:rPr lang="de-DE" sz="1400" dirty="0" smtClean="0">
+                <a:latin typeface="Arial" panose="020B0604020202020204" pitchFamily="34" charset="0"/>
+                <a:cs typeface="Arial" panose="020B0604020202020204" pitchFamily="34" charset="0"/>
+              </a:rPr>
+              <a:t>m</a:t>
+            </a:r>
+          </a:p>
+          <a:p>
+            <a:pPr algn="r">
+              <a:spcBef>
+                <a:spcPts val="300"/>
+              </a:spcBef>
+            </a:pPr>
+            <a:r>
+              <a:rPr lang="de-DE" sz="1400" dirty="0" smtClean="0">
+                <a:latin typeface="Arial" panose="020B0604020202020204" pitchFamily="34" charset="0"/>
+                <a:cs typeface="Arial" panose="020B0604020202020204" pitchFamily="34" charset="0"/>
+              </a:rPr>
+              <a:t>1</a:t>
+            </a:r>
+          </a:p>
+          <a:p>
+            <a:pPr algn="r">
+              <a:spcBef>
+                <a:spcPts val="300"/>
+              </a:spcBef>
+            </a:pPr>
+            <a:r>
+              <a:rPr lang="de-DE" sz="1400" dirty="0" smtClean="0">
+                <a:latin typeface="Arial" panose="020B0604020202020204" pitchFamily="34" charset="0"/>
+                <a:cs typeface="Arial" panose="020B0604020202020204" pitchFamily="34" charset="0"/>
+              </a:rPr>
+              <a:t>0</a:t>
+            </a:r>
+          </a:p>
+          <a:p>
+            <a:pPr algn="r">
+              <a:spcBef>
+                <a:spcPts val="300"/>
+              </a:spcBef>
+            </a:pPr>
+            <a:r>
+              <a:rPr lang="de-DE" sz="1400" dirty="0" smtClean="0">
+                <a:latin typeface="Arial" panose="020B0604020202020204" pitchFamily="34" charset="0"/>
+                <a:cs typeface="Arial" panose="020B0604020202020204" pitchFamily="34" charset="0"/>
+              </a:rPr>
+              <a:t>-1</a:t>
+            </a:r>
+          </a:p>
+        </p:txBody>
+      </p:sp>
+      <p:sp>
+        <p:nvSpPr>
+          <p:cNvPr id="49" name="Textfeld 48"/>
+          <p:cNvSpPr txBox="1"/>
+          <p:nvPr/>
+        </p:nvSpPr>
+        <p:spPr>
+          <a:xfrm>
+            <a:off x="8717299" y="3725540"/>
+            <a:ext cx="492444" cy="1069524"/>
+          </a:xfrm>
+          <a:prstGeom prst="rect">
+            <a:avLst/>
+          </a:prstGeom>
+          <a:noFill/>
+        </p:spPr>
+        <p:txBody>
+          <a:bodyPr wrap="none" rtlCol="0">
+            <a:spAutoFit/>
+          </a:bodyPr>
+          <a:lstStyle/>
+          <a:p>
+            <a:pPr algn="r">
+              <a:spcBef>
+                <a:spcPts val="300"/>
+              </a:spcBef>
+            </a:pPr>
+            <a:r>
+              <a:rPr lang="de-DE" sz="1400" dirty="0" smtClean="0">
+                <a:latin typeface="Arial" panose="020B0604020202020204" pitchFamily="34" charset="0"/>
+                <a:cs typeface="Arial" panose="020B0604020202020204" pitchFamily="34" charset="0"/>
+              </a:rPr>
+              <a:t>mg</a:t>
+            </a:r>
+          </a:p>
+          <a:p>
+            <a:pPr algn="r">
+              <a:spcBef>
+                <a:spcPts val="300"/>
+              </a:spcBef>
+            </a:pPr>
+            <a:r>
+              <a:rPr lang="de-DE" sz="1400" dirty="0" smtClean="0">
+                <a:latin typeface="Arial" panose="020B0604020202020204" pitchFamily="34" charset="0"/>
+                <a:cs typeface="Arial" panose="020B0604020202020204" pitchFamily="34" charset="0"/>
+              </a:rPr>
+              <a:t>1,5</a:t>
+            </a:r>
+          </a:p>
+          <a:p>
+            <a:pPr algn="r">
+              <a:spcBef>
+                <a:spcPts val="300"/>
+              </a:spcBef>
+            </a:pPr>
+            <a:r>
+              <a:rPr lang="de-DE" sz="1400" dirty="0" smtClean="0">
+                <a:latin typeface="Arial" panose="020B0604020202020204" pitchFamily="34" charset="0"/>
+                <a:cs typeface="Arial" panose="020B0604020202020204" pitchFamily="34" charset="0"/>
+              </a:rPr>
+              <a:t>0</a:t>
+            </a:r>
+          </a:p>
+          <a:p>
+            <a:pPr algn="r">
+              <a:spcBef>
+                <a:spcPts val="300"/>
+              </a:spcBef>
+            </a:pPr>
+            <a:r>
+              <a:rPr lang="de-DE" sz="1400" dirty="0" smtClean="0">
+                <a:latin typeface="Arial" panose="020B0604020202020204" pitchFamily="34" charset="0"/>
+                <a:cs typeface="Arial" panose="020B0604020202020204" pitchFamily="34" charset="0"/>
+              </a:rPr>
+              <a:t>-1,5</a:t>
+            </a:r>
+          </a:p>
+        </p:txBody>
+      </p:sp>
+      <p:sp>
+        <p:nvSpPr>
+          <p:cNvPr id="50" name="Textfeld 49"/>
+          <p:cNvSpPr txBox="1"/>
+          <p:nvPr/>
+        </p:nvSpPr>
+        <p:spPr>
+          <a:xfrm>
+            <a:off x="5198253" y="5367019"/>
+            <a:ext cx="553357" cy="307777"/>
+          </a:xfrm>
+          <a:prstGeom prst="rect">
+            <a:avLst/>
+          </a:prstGeom>
+          <a:noFill/>
+        </p:spPr>
+        <p:txBody>
+          <a:bodyPr wrap="none" rtlCol="0">
+            <a:spAutoFit/>
+          </a:bodyPr>
+          <a:lstStyle/>
+          <a:p>
+            <a:r>
+              <a:rPr lang="el-GR" sz="1400" dirty="0" smtClean="0">
+                <a:latin typeface="Arial" panose="020B0604020202020204" pitchFamily="34" charset="0"/>
+                <a:cs typeface="Arial" panose="020B0604020202020204" pitchFamily="34" charset="0"/>
+              </a:rPr>
+              <a:t>Δ</a:t>
+            </a:r>
+            <a:r>
+              <a:rPr lang="de-DE" sz="1400" dirty="0" smtClean="0">
+                <a:latin typeface="Arial" panose="020B0604020202020204" pitchFamily="34" charset="0"/>
+                <a:cs typeface="Arial" panose="020B0604020202020204" pitchFamily="34" charset="0"/>
+              </a:rPr>
+              <a:t>mg</a:t>
+            </a:r>
+            <a:endParaRPr lang="de-DE" sz="1400" dirty="0">
+              <a:latin typeface="Arial" panose="020B0604020202020204" pitchFamily="34" charset="0"/>
+              <a:cs typeface="Arial" panose="020B0604020202020204" pitchFamily="34" charset="0"/>
+            </a:endParaRPr>
+          </a:p>
+        </p:txBody>
+      </p:sp>
+      <p:sp>
+        <p:nvSpPr>
+          <p:cNvPr id="51" name="Textfeld 50"/>
+          <p:cNvSpPr txBox="1"/>
+          <p:nvPr/>
+        </p:nvSpPr>
+        <p:spPr>
+          <a:xfrm>
+            <a:off x="5921696" y="5398769"/>
+            <a:ext cx="569387" cy="276999"/>
+          </a:xfrm>
+          <a:prstGeom prst="rect">
+            <a:avLst/>
+          </a:prstGeom>
+          <a:noFill/>
+        </p:spPr>
+        <p:txBody>
+          <a:bodyPr wrap="none" rtlCol="0">
+            <a:spAutoFit/>
+          </a:bodyPr>
+          <a:lstStyle/>
+          <a:p>
+            <a:r>
+              <a:rPr lang="de-DE" sz="1200" dirty="0" smtClean="0">
+                <a:latin typeface="Arial" panose="020B0604020202020204" pitchFamily="34" charset="0"/>
+                <a:cs typeface="Arial" panose="020B0604020202020204" pitchFamily="34" charset="0"/>
+              </a:rPr>
+              <a:t>2  3/2</a:t>
+            </a:r>
+            <a:endParaRPr lang="de-DE" sz="1200" dirty="0">
+              <a:latin typeface="Arial" panose="020B0604020202020204" pitchFamily="34" charset="0"/>
+              <a:cs typeface="Arial" panose="020B0604020202020204" pitchFamily="34" charset="0"/>
+            </a:endParaRPr>
+          </a:p>
+        </p:txBody>
+      </p:sp>
+      <p:sp>
+        <p:nvSpPr>
+          <p:cNvPr id="52" name="Textfeld 51"/>
+          <p:cNvSpPr txBox="1"/>
+          <p:nvPr/>
+        </p:nvSpPr>
+        <p:spPr>
+          <a:xfrm>
+            <a:off x="6661170" y="5392249"/>
+            <a:ext cx="699230" cy="276999"/>
+          </a:xfrm>
+          <a:prstGeom prst="rect">
+            <a:avLst/>
+          </a:prstGeom>
+          <a:noFill/>
+        </p:spPr>
+        <p:txBody>
+          <a:bodyPr wrap="none" rtlCol="0">
+            <a:spAutoFit/>
+          </a:bodyPr>
+          <a:lstStyle/>
+          <a:p>
+            <a:r>
+              <a:rPr lang="de-DE" sz="1200" dirty="0" smtClean="0">
+                <a:latin typeface="Arial" panose="020B0604020202020204" pitchFamily="34" charset="0"/>
+                <a:cs typeface="Arial" panose="020B0604020202020204" pitchFamily="34" charset="0"/>
+              </a:rPr>
+              <a:t>½  0  ½</a:t>
+            </a:r>
+            <a:endParaRPr lang="de-DE" sz="1200" dirty="0">
+              <a:latin typeface="Arial" panose="020B0604020202020204" pitchFamily="34" charset="0"/>
+              <a:cs typeface="Arial" panose="020B0604020202020204" pitchFamily="34" charset="0"/>
+            </a:endParaRPr>
+          </a:p>
+        </p:txBody>
+      </p:sp>
+      <p:sp>
+        <p:nvSpPr>
+          <p:cNvPr id="53" name="Textfeld 52"/>
+          <p:cNvSpPr txBox="1"/>
+          <p:nvPr/>
+        </p:nvSpPr>
+        <p:spPr>
+          <a:xfrm>
+            <a:off x="7528547" y="5414157"/>
+            <a:ext cx="569387" cy="276999"/>
+          </a:xfrm>
+          <a:prstGeom prst="rect">
+            <a:avLst/>
+          </a:prstGeom>
+          <a:noFill/>
+        </p:spPr>
+        <p:txBody>
+          <a:bodyPr wrap="none" rtlCol="0">
+            <a:spAutoFit/>
+          </a:bodyPr>
+          <a:lstStyle/>
+          <a:p>
+            <a:r>
+              <a:rPr lang="de-DE" sz="1200" dirty="0" smtClean="0">
+                <a:latin typeface="Arial" panose="020B0604020202020204" pitchFamily="34" charset="0"/>
+                <a:cs typeface="Arial" panose="020B0604020202020204" pitchFamily="34" charset="0"/>
+              </a:rPr>
+              <a:t>3/2  2</a:t>
+            </a:r>
+            <a:endParaRPr lang="de-DE" sz="1200" dirty="0">
+              <a:latin typeface="Arial" panose="020B0604020202020204" pitchFamily="34" charset="0"/>
+              <a:cs typeface="Arial" panose="020B0604020202020204" pitchFamily="34" charset="0"/>
+            </a:endParaRPr>
+          </a:p>
+        </p:txBody>
+      </p:sp>
+      <p:cxnSp>
+        <p:nvCxnSpPr>
+          <p:cNvPr id="22" name="Gerader Verbinder 21"/>
+          <p:cNvCxnSpPr/>
+          <p:nvPr/>
+        </p:nvCxnSpPr>
+        <p:spPr>
+          <a:xfrm>
+            <a:off x="5619327" y="2478290"/>
+            <a:ext cx="2726725" cy="0"/>
+          </a:xfrm>
+          <a:prstGeom prst="line">
+            <a:avLst/>
+          </a:prstGeom>
+          <a:ln>
+            <a:solidFill>
+              <a:schemeClr val="tx1"/>
+            </a:solidFill>
+          </a:ln>
+        </p:spPr>
+        <p:style>
+          <a:lnRef idx="1">
+            <a:schemeClr val="accent1"/>
+          </a:lnRef>
+          <a:fillRef idx="0">
+            <a:schemeClr val="accent1"/>
+          </a:fillRef>
+          <a:effectRef idx="0">
+            <a:schemeClr val="accent1"/>
+          </a:effectRef>
+          <a:fontRef idx="minor">
+            <a:schemeClr val="tx1"/>
+          </a:fontRef>
+        </p:style>
+      </p:cxnSp>
+      <p:cxnSp>
+        <p:nvCxnSpPr>
+          <p:cNvPr id="27" name="Gerader Verbinder 26"/>
+          <p:cNvCxnSpPr/>
+          <p:nvPr/>
+        </p:nvCxnSpPr>
+        <p:spPr>
+          <a:xfrm>
+            <a:off x="5619327" y="4422420"/>
+            <a:ext cx="2726725" cy="0"/>
+          </a:xfrm>
+          <a:prstGeom prst="line">
+            <a:avLst/>
+          </a:prstGeom>
+          <a:ln>
+            <a:solidFill>
+              <a:schemeClr val="tx1"/>
+            </a:solidFill>
+          </a:ln>
+        </p:spPr>
+        <p:style>
+          <a:lnRef idx="1">
+            <a:schemeClr val="accent1"/>
+          </a:lnRef>
+          <a:fillRef idx="0">
+            <a:schemeClr val="accent1"/>
+          </a:fillRef>
+          <a:effectRef idx="0">
+            <a:schemeClr val="accent1"/>
+          </a:effectRef>
+          <a:fontRef idx="minor">
+            <a:schemeClr val="tx1"/>
+          </a:fontRef>
+        </p:style>
+      </p:cxnSp>
+      <p:cxnSp>
+        <p:nvCxnSpPr>
+          <p:cNvPr id="28" name="Gerader Verbinder 27"/>
+          <p:cNvCxnSpPr/>
+          <p:nvPr/>
+        </p:nvCxnSpPr>
+        <p:spPr>
+          <a:xfrm>
+            <a:off x="5619327" y="4179403"/>
             <a:ext cx="2726725" cy="0"/>
           </a:xfrm>
           <a:prstGeom prst="line">
@@ -4930,1614 +6524,6 @@
           </a:fontRef>
         </p:style>
       </p:cxnSp>
-      <p:cxnSp>
-        <p:nvCxnSpPr>
-          <p:cNvPr id="27" name="Gerader Verbinder 26"/>
-          <p:cNvCxnSpPr/>
-          <p:nvPr/>
-        </p:nvCxnSpPr>
-        <p:spPr>
-          <a:xfrm>
-            <a:off x="5619327" y="4422420"/>
-            <a:ext cx="2726725" cy="0"/>
-          </a:xfrm>
-          <a:prstGeom prst="line">
-            <a:avLst/>
-          </a:prstGeom>
-          <a:ln>
-            <a:solidFill>
-              <a:schemeClr val="tx1"/>
-            </a:solidFill>
-          </a:ln>
-        </p:spPr>
-        <p:style>
-          <a:lnRef idx="1">
-            <a:schemeClr val="accent1"/>
-          </a:lnRef>
-          <a:fillRef idx="0">
-            <a:schemeClr val="accent1"/>
-          </a:fillRef>
-          <a:effectRef idx="0">
-            <a:schemeClr val="accent1"/>
-          </a:effectRef>
-          <a:fontRef idx="minor">
-            <a:schemeClr val="tx1"/>
-          </a:fontRef>
-        </p:style>
-      </p:cxnSp>
-      <p:cxnSp>
-        <p:nvCxnSpPr>
-          <p:cNvPr id="28" name="Gerader Verbinder 27"/>
-          <p:cNvCxnSpPr/>
-          <p:nvPr/>
-        </p:nvCxnSpPr>
-        <p:spPr>
-          <a:xfrm>
-            <a:off x="5619327" y="4179403"/>
-            <a:ext cx="2726725" cy="0"/>
-          </a:xfrm>
-          <a:prstGeom prst="line">
-            <a:avLst/>
-          </a:prstGeom>
-          <a:ln>
-            <a:solidFill>
-              <a:schemeClr val="tx1"/>
-            </a:solidFill>
-          </a:ln>
-        </p:spPr>
-        <p:style>
-          <a:lnRef idx="1">
-            <a:schemeClr val="accent1"/>
-          </a:lnRef>
-          <a:fillRef idx="0">
-            <a:schemeClr val="accent1"/>
-          </a:fillRef>
-          <a:effectRef idx="0">
-            <a:schemeClr val="accent1"/>
-          </a:effectRef>
-          <a:fontRef idx="minor">
-            <a:schemeClr val="tx1"/>
-          </a:fontRef>
-        </p:style>
-      </p:cxnSp>
-      <p:cxnSp>
-        <p:nvCxnSpPr>
-          <p:cNvPr id="29" name="Gerader Verbinder 28"/>
-          <p:cNvCxnSpPr/>
-          <p:nvPr/>
-        </p:nvCxnSpPr>
-        <p:spPr>
-          <a:xfrm>
-            <a:off x="5619327" y="4665437"/>
-            <a:ext cx="2726725" cy="0"/>
-          </a:xfrm>
-          <a:prstGeom prst="line">
-            <a:avLst/>
-          </a:prstGeom>
-          <a:ln>
-            <a:solidFill>
-              <a:schemeClr val="tx1"/>
-            </a:solidFill>
-          </a:ln>
-        </p:spPr>
-        <p:style>
-          <a:lnRef idx="1">
-            <a:schemeClr val="accent1"/>
-          </a:lnRef>
-          <a:fillRef idx="0">
-            <a:schemeClr val="accent1"/>
-          </a:fillRef>
-          <a:effectRef idx="0">
-            <a:schemeClr val="accent1"/>
-          </a:effectRef>
-          <a:fontRef idx="minor">
-            <a:schemeClr val="tx1"/>
-          </a:fontRef>
-        </p:style>
-      </p:cxnSp>
-      <p:cxnSp>
-        <p:nvCxnSpPr>
-          <p:cNvPr id="33" name="Gerader Verbinder 32"/>
-          <p:cNvCxnSpPr/>
-          <p:nvPr/>
-        </p:nvCxnSpPr>
-        <p:spPr>
-          <a:xfrm flipH="1">
-            <a:off x="5202158" y="2235273"/>
-            <a:ext cx="417169" cy="234778"/>
-          </a:xfrm>
-          <a:prstGeom prst="line">
-            <a:avLst/>
-          </a:prstGeom>
-          <a:ln>
-            <a:solidFill>
-              <a:schemeClr val="tx1"/>
-            </a:solidFill>
-          </a:ln>
-        </p:spPr>
-        <p:style>
-          <a:lnRef idx="1">
-            <a:schemeClr val="accent1"/>
-          </a:lnRef>
-          <a:fillRef idx="0">
-            <a:schemeClr val="accent1"/>
-          </a:fillRef>
-          <a:effectRef idx="0">
-            <a:schemeClr val="accent1"/>
-          </a:effectRef>
-          <a:fontRef idx="minor">
-            <a:schemeClr val="tx1"/>
-          </a:fontRef>
-        </p:style>
-      </p:cxnSp>
-      <p:cxnSp>
-        <p:nvCxnSpPr>
-          <p:cNvPr id="35" name="Gerader Verbinder 34"/>
-          <p:cNvCxnSpPr/>
-          <p:nvPr/>
-        </p:nvCxnSpPr>
-        <p:spPr>
-          <a:xfrm flipH="1" flipV="1">
-            <a:off x="5198253" y="2473776"/>
-            <a:ext cx="428156" cy="2283"/>
-          </a:xfrm>
-          <a:prstGeom prst="line">
-            <a:avLst/>
-          </a:prstGeom>
-          <a:ln>
-            <a:solidFill>
-              <a:schemeClr val="tx1"/>
-            </a:solidFill>
-          </a:ln>
-        </p:spPr>
-        <p:style>
-          <a:lnRef idx="1">
-            <a:schemeClr val="accent1"/>
-          </a:lnRef>
-          <a:fillRef idx="0">
-            <a:schemeClr val="accent1"/>
-          </a:fillRef>
-          <a:effectRef idx="0">
-            <a:schemeClr val="accent1"/>
-          </a:effectRef>
-          <a:fontRef idx="minor">
-            <a:schemeClr val="tx1"/>
-          </a:fontRef>
-        </p:style>
-      </p:cxnSp>
-      <p:cxnSp>
-        <p:nvCxnSpPr>
-          <p:cNvPr id="37" name="Gerader Verbinder 36"/>
-          <p:cNvCxnSpPr/>
-          <p:nvPr/>
-        </p:nvCxnSpPr>
-        <p:spPr>
-          <a:xfrm flipH="1" flipV="1">
-            <a:off x="5202158" y="2470049"/>
-            <a:ext cx="417170" cy="251259"/>
-          </a:xfrm>
-          <a:prstGeom prst="line">
-            <a:avLst/>
-          </a:prstGeom>
-          <a:ln>
-            <a:solidFill>
-              <a:schemeClr val="tx1"/>
-            </a:solidFill>
-          </a:ln>
-        </p:spPr>
-        <p:style>
-          <a:lnRef idx="1">
-            <a:schemeClr val="accent1"/>
-          </a:lnRef>
-          <a:fillRef idx="0">
-            <a:schemeClr val="accent1"/>
-          </a:fillRef>
-          <a:effectRef idx="0">
-            <a:schemeClr val="accent1"/>
-          </a:effectRef>
-          <a:fontRef idx="minor">
-            <a:schemeClr val="tx1"/>
-          </a:fontRef>
-        </p:style>
-      </p:cxnSp>
-      <p:cxnSp>
-        <p:nvCxnSpPr>
-          <p:cNvPr id="41" name="Gerader Verbinder 40"/>
-          <p:cNvCxnSpPr/>
-          <p:nvPr/>
-        </p:nvCxnSpPr>
-        <p:spPr>
-          <a:xfrm flipH="1">
-            <a:off x="5203317" y="4179403"/>
-            <a:ext cx="416010" cy="243017"/>
-          </a:xfrm>
-          <a:prstGeom prst="line">
-            <a:avLst/>
-          </a:prstGeom>
-          <a:ln>
-            <a:solidFill>
-              <a:schemeClr val="tx1"/>
-            </a:solidFill>
-          </a:ln>
-        </p:spPr>
-        <p:style>
-          <a:lnRef idx="1">
-            <a:schemeClr val="accent1"/>
-          </a:lnRef>
-          <a:fillRef idx="0">
-            <a:schemeClr val="accent1"/>
-          </a:fillRef>
-          <a:effectRef idx="0">
-            <a:schemeClr val="accent1"/>
-          </a:effectRef>
-          <a:fontRef idx="minor">
-            <a:schemeClr val="tx1"/>
-          </a:fontRef>
-        </p:style>
-      </p:cxnSp>
-      <p:cxnSp>
-        <p:nvCxnSpPr>
-          <p:cNvPr id="43" name="Gerader Verbinder 42"/>
-          <p:cNvCxnSpPr/>
-          <p:nvPr/>
-        </p:nvCxnSpPr>
-        <p:spPr>
-          <a:xfrm flipH="1">
-            <a:off x="5203317" y="4422420"/>
-            <a:ext cx="416010" cy="0"/>
-          </a:xfrm>
-          <a:prstGeom prst="line">
-            <a:avLst/>
-          </a:prstGeom>
-          <a:ln>
-            <a:solidFill>
-              <a:schemeClr val="tx1"/>
-            </a:solidFill>
-          </a:ln>
-        </p:spPr>
-        <p:style>
-          <a:lnRef idx="1">
-            <a:schemeClr val="accent1"/>
-          </a:lnRef>
-          <a:fillRef idx="0">
-            <a:schemeClr val="accent1"/>
-          </a:fillRef>
-          <a:effectRef idx="0">
-            <a:schemeClr val="accent1"/>
-          </a:effectRef>
-          <a:fontRef idx="minor">
-            <a:schemeClr val="tx1"/>
-          </a:fontRef>
-        </p:style>
-      </p:cxnSp>
-      <p:cxnSp>
-        <p:nvCxnSpPr>
-          <p:cNvPr id="45" name="Gerader Verbinder 44"/>
-          <p:cNvCxnSpPr/>
-          <p:nvPr/>
-        </p:nvCxnSpPr>
-        <p:spPr>
-          <a:xfrm flipH="1" flipV="1">
-            <a:off x="5203317" y="4422420"/>
-            <a:ext cx="416010" cy="243017"/>
-          </a:xfrm>
-          <a:prstGeom prst="line">
-            <a:avLst/>
-          </a:prstGeom>
-          <a:ln>
-            <a:solidFill>
-              <a:schemeClr val="tx1"/>
-            </a:solidFill>
-          </a:ln>
-        </p:spPr>
-        <p:style>
-          <a:lnRef idx="1">
-            <a:schemeClr val="accent1"/>
-          </a:lnRef>
-          <a:fillRef idx="0">
-            <a:schemeClr val="accent1"/>
-          </a:fillRef>
-          <a:effectRef idx="0">
-            <a:schemeClr val="accent1"/>
-          </a:effectRef>
-          <a:fontRef idx="minor">
-            <a:schemeClr val="tx1"/>
-          </a:fontRef>
-        </p:style>
-      </p:cxnSp>
-      <p:cxnSp>
-        <p:nvCxnSpPr>
-          <p:cNvPr id="72" name="Gerader Verbinder 71"/>
-          <p:cNvCxnSpPr/>
-          <p:nvPr/>
-        </p:nvCxnSpPr>
-        <p:spPr>
-          <a:xfrm>
-            <a:off x="6103545" y="2717185"/>
-            <a:ext cx="0" cy="1705235"/>
-          </a:xfrm>
-          <a:prstGeom prst="line">
-            <a:avLst/>
-          </a:prstGeom>
-          <a:ln>
-            <a:solidFill>
-              <a:schemeClr val="tx1"/>
-            </a:solidFill>
-            <a:headEnd type="oval" w="sm" len="sm"/>
-            <a:tailEnd type="oval" w="sm" len="sm"/>
-          </a:ln>
-        </p:spPr>
-        <p:style>
-          <a:lnRef idx="1">
-            <a:schemeClr val="accent1"/>
-          </a:lnRef>
-          <a:fillRef idx="0">
-            <a:schemeClr val="accent1"/>
-          </a:fillRef>
-          <a:effectRef idx="0">
-            <a:schemeClr val="accent1"/>
-          </a:effectRef>
-          <a:fontRef idx="minor">
-            <a:schemeClr val="tx1"/>
-          </a:fontRef>
-        </p:style>
-      </p:cxnSp>
-      <p:cxnSp>
-        <p:nvCxnSpPr>
-          <p:cNvPr id="74" name="Gerader Verbinder 73"/>
-          <p:cNvCxnSpPr/>
-          <p:nvPr/>
-        </p:nvCxnSpPr>
-        <p:spPr>
-          <a:xfrm>
-            <a:off x="6330716" y="2470045"/>
-            <a:ext cx="0" cy="1709358"/>
-          </a:xfrm>
-          <a:prstGeom prst="line">
-            <a:avLst/>
-          </a:prstGeom>
-          <a:ln>
-            <a:solidFill>
-              <a:schemeClr val="tx1"/>
-            </a:solidFill>
-            <a:headEnd type="oval" w="sm" len="sm"/>
-            <a:tailEnd type="oval" w="sm" len="sm"/>
-          </a:ln>
-        </p:spPr>
-        <p:style>
-          <a:lnRef idx="1">
-            <a:schemeClr val="accent1"/>
-          </a:lnRef>
-          <a:fillRef idx="0">
-            <a:schemeClr val="accent1"/>
-          </a:fillRef>
-          <a:effectRef idx="0">
-            <a:schemeClr val="accent1"/>
-          </a:effectRef>
-          <a:fontRef idx="minor">
-            <a:schemeClr val="tx1"/>
-          </a:fontRef>
-        </p:style>
-      </p:cxnSp>
-      <p:cxnSp>
-        <p:nvCxnSpPr>
-          <p:cNvPr id="78" name="Gerader Verbinder 77"/>
-          <p:cNvCxnSpPr/>
-          <p:nvPr/>
-        </p:nvCxnSpPr>
-        <p:spPr>
-          <a:xfrm>
-            <a:off x="6785058" y="2717185"/>
-            <a:ext cx="0" cy="1948252"/>
-          </a:xfrm>
-          <a:prstGeom prst="line">
-            <a:avLst/>
-          </a:prstGeom>
-          <a:ln>
-            <a:solidFill>
-              <a:schemeClr val="tx1"/>
-            </a:solidFill>
-            <a:headEnd type="oval" w="sm" len="sm"/>
-            <a:tailEnd type="oval" w="sm" len="sm"/>
-          </a:ln>
-        </p:spPr>
-        <p:style>
-          <a:lnRef idx="1">
-            <a:schemeClr val="accent1"/>
-          </a:lnRef>
-          <a:fillRef idx="0">
-            <a:schemeClr val="accent1"/>
-          </a:fillRef>
-          <a:effectRef idx="0">
-            <a:schemeClr val="accent1"/>
-          </a:effectRef>
-          <a:fontRef idx="minor">
-            <a:schemeClr val="tx1"/>
-          </a:fontRef>
-        </p:style>
-      </p:cxnSp>
-      <p:cxnSp>
-        <p:nvCxnSpPr>
-          <p:cNvPr id="80" name="Gerader Verbinder 79"/>
-          <p:cNvCxnSpPr/>
-          <p:nvPr/>
-        </p:nvCxnSpPr>
-        <p:spPr>
-          <a:xfrm>
-            <a:off x="7012229" y="2478290"/>
-            <a:ext cx="0" cy="1944130"/>
-          </a:xfrm>
-          <a:prstGeom prst="line">
-            <a:avLst/>
-          </a:prstGeom>
-          <a:ln>
-            <a:solidFill>
-              <a:schemeClr val="tx1"/>
-            </a:solidFill>
-            <a:headEnd type="oval" w="sm" len="sm"/>
-            <a:tailEnd type="oval" w="sm" len="sm"/>
-          </a:ln>
-        </p:spPr>
-        <p:style>
-          <a:lnRef idx="1">
-            <a:schemeClr val="accent1"/>
-          </a:lnRef>
-          <a:fillRef idx="0">
-            <a:schemeClr val="accent1"/>
-          </a:fillRef>
-          <a:effectRef idx="0">
-            <a:schemeClr val="accent1"/>
-          </a:effectRef>
-          <a:fontRef idx="minor">
-            <a:schemeClr val="tx1"/>
-          </a:fontRef>
-        </p:style>
-      </p:cxnSp>
-      <p:cxnSp>
-        <p:nvCxnSpPr>
-          <p:cNvPr id="82" name="Gerader Verbinder 81"/>
-          <p:cNvCxnSpPr/>
-          <p:nvPr/>
-        </p:nvCxnSpPr>
-        <p:spPr>
-          <a:xfrm>
-            <a:off x="7239400" y="2231151"/>
-            <a:ext cx="0" cy="1948252"/>
-          </a:xfrm>
-          <a:prstGeom prst="line">
-            <a:avLst/>
-          </a:prstGeom>
-          <a:ln>
-            <a:solidFill>
-              <a:schemeClr val="tx1"/>
-            </a:solidFill>
-            <a:headEnd type="oval" w="sm" len="sm"/>
-            <a:tailEnd type="oval" w="sm" len="sm"/>
-          </a:ln>
-        </p:spPr>
-        <p:style>
-          <a:lnRef idx="1">
-            <a:schemeClr val="accent1"/>
-          </a:lnRef>
-          <a:fillRef idx="0">
-            <a:schemeClr val="accent1"/>
-          </a:fillRef>
-          <a:effectRef idx="0">
-            <a:schemeClr val="accent1"/>
-          </a:effectRef>
-          <a:fontRef idx="minor">
-            <a:schemeClr val="tx1"/>
-          </a:fontRef>
-        </p:style>
-      </p:cxnSp>
-      <p:cxnSp>
-        <p:nvCxnSpPr>
-          <p:cNvPr id="86" name="Gerader Verbinder 85"/>
-          <p:cNvCxnSpPr/>
-          <p:nvPr/>
-        </p:nvCxnSpPr>
-        <p:spPr>
-          <a:xfrm>
-            <a:off x="7693742" y="2478290"/>
-            <a:ext cx="0" cy="2187147"/>
-          </a:xfrm>
-          <a:prstGeom prst="line">
-            <a:avLst/>
-          </a:prstGeom>
-          <a:ln>
-            <a:solidFill>
-              <a:schemeClr val="tx1"/>
-            </a:solidFill>
-            <a:headEnd type="oval" w="sm" len="sm"/>
-            <a:tailEnd type="oval" w="sm" len="sm"/>
-          </a:ln>
-        </p:spPr>
-        <p:style>
-          <a:lnRef idx="1">
-            <a:schemeClr val="accent1"/>
-          </a:lnRef>
-          <a:fillRef idx="0">
-            <a:schemeClr val="accent1"/>
-          </a:fillRef>
-          <a:effectRef idx="0">
-            <a:schemeClr val="accent1"/>
-          </a:effectRef>
-          <a:fontRef idx="minor">
-            <a:schemeClr val="tx1"/>
-          </a:fontRef>
-        </p:style>
-      </p:cxnSp>
-      <p:cxnSp>
-        <p:nvCxnSpPr>
-          <p:cNvPr id="88" name="Gerader Verbinder 87"/>
-          <p:cNvCxnSpPr/>
-          <p:nvPr/>
-        </p:nvCxnSpPr>
-        <p:spPr>
-          <a:xfrm>
-            <a:off x="7920913" y="2231151"/>
-            <a:ext cx="0" cy="2191269"/>
-          </a:xfrm>
-          <a:prstGeom prst="line">
-            <a:avLst/>
-          </a:prstGeom>
-          <a:ln>
-            <a:solidFill>
-              <a:schemeClr val="tx1"/>
-            </a:solidFill>
-            <a:headEnd type="oval" w="sm" len="sm"/>
-            <a:tailEnd type="oval" w="sm" len="sm"/>
-          </a:ln>
-        </p:spPr>
-        <p:style>
-          <a:lnRef idx="1">
-            <a:schemeClr val="accent1"/>
-          </a:lnRef>
-          <a:fillRef idx="0">
-            <a:schemeClr val="accent1"/>
-          </a:fillRef>
-          <a:effectRef idx="0">
-            <a:schemeClr val="accent1"/>
-          </a:effectRef>
-          <a:fontRef idx="minor">
-            <a:schemeClr val="tx1"/>
-          </a:fontRef>
-        </p:style>
-      </p:cxnSp>
-      <p:sp>
-        <p:nvSpPr>
-          <p:cNvPr id="93" name="Textfeld 92"/>
-          <p:cNvSpPr txBox="1"/>
-          <p:nvPr/>
-        </p:nvSpPr>
-        <p:spPr>
-          <a:xfrm>
-            <a:off x="4590394" y="1543050"/>
-            <a:ext cx="607859" cy="307777"/>
-          </a:xfrm>
-          <a:prstGeom prst="rect">
-            <a:avLst/>
-          </a:prstGeom>
-          <a:noFill/>
-        </p:spPr>
-        <p:txBody>
-          <a:bodyPr wrap="none" rtlCol="0">
-            <a:spAutoFit/>
-          </a:bodyPr>
-          <a:lstStyle/>
-          <a:p>
-            <a:r>
-              <a:rPr lang="de-DE" sz="1400" dirty="0" smtClean="0">
-                <a:latin typeface="Arial" panose="020B0604020202020204" pitchFamily="34" charset="0"/>
-                <a:cs typeface="Arial" panose="020B0604020202020204" pitchFamily="34" charset="0"/>
-              </a:rPr>
-              <a:t>B = 0</a:t>
-            </a:r>
-            <a:endParaRPr lang="de-DE" sz="1400" dirty="0">
-              <a:latin typeface="Arial" panose="020B0604020202020204" pitchFamily="34" charset="0"/>
-              <a:cs typeface="Arial" panose="020B0604020202020204" pitchFamily="34" charset="0"/>
-            </a:endParaRPr>
-          </a:p>
-        </p:txBody>
-      </p:sp>
-      <p:sp>
-        <p:nvSpPr>
-          <p:cNvPr id="95" name="Textfeld 94"/>
-          <p:cNvSpPr txBox="1"/>
-          <p:nvPr/>
-        </p:nvSpPr>
-        <p:spPr>
-          <a:xfrm>
-            <a:off x="5202158" y="1543017"/>
-            <a:ext cx="601447" cy="307777"/>
-          </a:xfrm>
-          <a:prstGeom prst="rect">
-            <a:avLst/>
-          </a:prstGeom>
-          <a:noFill/>
-        </p:spPr>
-        <p:txBody>
-          <a:bodyPr wrap="none" rtlCol="0">
-            <a:spAutoFit/>
-          </a:bodyPr>
-          <a:lstStyle/>
-          <a:p>
-            <a:r>
-              <a:rPr lang="de-DE" sz="1400" dirty="0" smtClean="0">
-                <a:latin typeface="Arial" panose="020B0604020202020204" pitchFamily="34" charset="0"/>
-                <a:cs typeface="Arial" panose="020B0604020202020204" pitchFamily="34" charset="0"/>
-              </a:rPr>
-              <a:t>B </a:t>
-            </a:r>
-            <a:r>
-              <a:rPr lang="de-DE" sz="1400" dirty="0">
-                <a:latin typeface="Arial" panose="020B0604020202020204" pitchFamily="34" charset="0"/>
-                <a:cs typeface="Arial" panose="020B0604020202020204" pitchFamily="34" charset="0"/>
-              </a:rPr>
-              <a:t>≠</a:t>
-            </a:r>
-            <a:r>
-              <a:rPr lang="de-DE" sz="1400" dirty="0" smtClean="0">
-                <a:latin typeface="Arial" panose="020B0604020202020204" pitchFamily="34" charset="0"/>
-                <a:cs typeface="Arial" panose="020B0604020202020204" pitchFamily="34" charset="0"/>
-              </a:rPr>
-              <a:t> 0</a:t>
-            </a:r>
-            <a:endParaRPr lang="de-DE" sz="1400" dirty="0">
-              <a:latin typeface="Arial" panose="020B0604020202020204" pitchFamily="34" charset="0"/>
-              <a:cs typeface="Arial" panose="020B0604020202020204" pitchFamily="34" charset="0"/>
-            </a:endParaRPr>
-          </a:p>
-        </p:txBody>
-      </p:sp>
-      <p:sp>
-        <p:nvSpPr>
-          <p:cNvPr id="98" name="Textfeld 97"/>
-          <p:cNvSpPr txBox="1"/>
-          <p:nvPr/>
-        </p:nvSpPr>
-        <p:spPr>
-          <a:xfrm>
-            <a:off x="3499677" y="3085829"/>
-            <a:ext cx="1043876" cy="523220"/>
-          </a:xfrm>
-          <a:prstGeom prst="rect">
-            <a:avLst/>
-          </a:prstGeom>
-          <a:noFill/>
-        </p:spPr>
-        <p:txBody>
-          <a:bodyPr wrap="none" rtlCol="0">
-            <a:spAutoFit/>
-          </a:bodyPr>
-          <a:lstStyle/>
-          <a:p>
-            <a:r>
-              <a:rPr lang="el-GR" sz="1400" dirty="0">
-                <a:latin typeface="Arial" panose="020B0604020202020204" pitchFamily="34" charset="0"/>
-                <a:cs typeface="Arial" panose="020B0604020202020204" pitchFamily="34" charset="0"/>
-              </a:rPr>
-              <a:t>λ</a:t>
-            </a:r>
-            <a:r>
-              <a:rPr lang="de-DE" sz="1400" dirty="0" smtClean="0">
-                <a:latin typeface="Arial" panose="020B0604020202020204" pitchFamily="34" charset="0"/>
-                <a:cs typeface="Arial" panose="020B0604020202020204" pitchFamily="34" charset="0"/>
-              </a:rPr>
-              <a:t> = 480nm</a:t>
-            </a:r>
-          </a:p>
-          <a:p>
-            <a:r>
-              <a:rPr lang="de-DE" sz="1400" dirty="0" smtClean="0">
-                <a:latin typeface="Arial" panose="020B0604020202020204" pitchFamily="34" charset="0"/>
-                <a:cs typeface="Arial" panose="020B0604020202020204" pitchFamily="34" charset="0"/>
-              </a:rPr>
-              <a:t>E</a:t>
-            </a:r>
-            <a:r>
-              <a:rPr lang="de-DE" sz="1400" baseline="-25000" dirty="0" smtClean="0">
-                <a:latin typeface="Arial" panose="020B0604020202020204" pitchFamily="34" charset="0"/>
-                <a:cs typeface="Arial" panose="020B0604020202020204" pitchFamily="34" charset="0"/>
-              </a:rPr>
-              <a:t>0</a:t>
-            </a:r>
-            <a:r>
-              <a:rPr lang="de-DE" sz="1400" dirty="0" smtClean="0">
-                <a:latin typeface="Arial" panose="020B0604020202020204" pitchFamily="34" charset="0"/>
-                <a:cs typeface="Arial" panose="020B0604020202020204" pitchFamily="34" charset="0"/>
-              </a:rPr>
-              <a:t> = 2,6eV</a:t>
-            </a:r>
-            <a:endParaRPr lang="de-DE" sz="1400" dirty="0">
-              <a:latin typeface="Arial" panose="020B0604020202020204" pitchFamily="34" charset="0"/>
-              <a:cs typeface="Arial" panose="020B0604020202020204" pitchFamily="34" charset="0"/>
-            </a:endParaRPr>
-          </a:p>
-        </p:txBody>
-      </p:sp>
-      <p:sp>
-        <p:nvSpPr>
-          <p:cNvPr id="99" name="Textfeld 98"/>
-          <p:cNvSpPr txBox="1"/>
-          <p:nvPr/>
-        </p:nvSpPr>
-        <p:spPr>
-          <a:xfrm>
-            <a:off x="8386939" y="1850794"/>
-            <a:ext cx="343364" cy="1069524"/>
-          </a:xfrm>
-          <a:prstGeom prst="rect">
-            <a:avLst/>
-          </a:prstGeom>
-          <a:noFill/>
-        </p:spPr>
-        <p:txBody>
-          <a:bodyPr wrap="none" rtlCol="0">
-            <a:spAutoFit/>
-          </a:bodyPr>
-          <a:lstStyle/>
-          <a:p>
-            <a:pPr algn="r">
-              <a:spcBef>
-                <a:spcPts val="300"/>
-              </a:spcBef>
-            </a:pPr>
-            <a:r>
-              <a:rPr lang="de-DE" sz="1400" dirty="0" smtClean="0">
-                <a:latin typeface="Arial" panose="020B0604020202020204" pitchFamily="34" charset="0"/>
-                <a:cs typeface="Arial" panose="020B0604020202020204" pitchFamily="34" charset="0"/>
-              </a:rPr>
-              <a:t>m</a:t>
-            </a:r>
-          </a:p>
-          <a:p>
-            <a:pPr algn="r">
-              <a:spcBef>
-                <a:spcPts val="300"/>
-              </a:spcBef>
-            </a:pPr>
-            <a:r>
-              <a:rPr lang="de-DE" sz="1400" dirty="0" smtClean="0">
-                <a:latin typeface="Arial" panose="020B0604020202020204" pitchFamily="34" charset="0"/>
-                <a:cs typeface="Arial" panose="020B0604020202020204" pitchFamily="34" charset="0"/>
-              </a:rPr>
-              <a:t>1</a:t>
-            </a:r>
-          </a:p>
-          <a:p>
-            <a:pPr algn="r">
-              <a:spcBef>
-                <a:spcPts val="300"/>
-              </a:spcBef>
-            </a:pPr>
-            <a:r>
-              <a:rPr lang="de-DE" sz="1400" dirty="0" smtClean="0">
-                <a:latin typeface="Arial" panose="020B0604020202020204" pitchFamily="34" charset="0"/>
-                <a:cs typeface="Arial" panose="020B0604020202020204" pitchFamily="34" charset="0"/>
-              </a:rPr>
-              <a:t>0</a:t>
-            </a:r>
-          </a:p>
-          <a:p>
-            <a:pPr algn="r">
-              <a:spcBef>
-                <a:spcPts val="300"/>
-              </a:spcBef>
-            </a:pPr>
-            <a:r>
-              <a:rPr lang="de-DE" sz="1400" dirty="0" smtClean="0">
-                <a:latin typeface="Arial" panose="020B0604020202020204" pitchFamily="34" charset="0"/>
-                <a:cs typeface="Arial" panose="020B0604020202020204" pitchFamily="34" charset="0"/>
-              </a:rPr>
-              <a:t>-1</a:t>
-            </a:r>
-          </a:p>
-        </p:txBody>
-      </p:sp>
-      <p:sp>
-        <p:nvSpPr>
-          <p:cNvPr id="101" name="Textfeld 100"/>
-          <p:cNvSpPr txBox="1"/>
-          <p:nvPr/>
-        </p:nvSpPr>
-        <p:spPr>
-          <a:xfrm>
-            <a:off x="5202158" y="4798676"/>
-            <a:ext cx="453970" cy="307777"/>
-          </a:xfrm>
-          <a:prstGeom prst="rect">
-            <a:avLst/>
-          </a:prstGeom>
-          <a:noFill/>
-        </p:spPr>
-        <p:txBody>
-          <a:bodyPr wrap="none" rtlCol="0">
-            <a:spAutoFit/>
-          </a:bodyPr>
-          <a:lstStyle/>
-          <a:p>
-            <a:r>
-              <a:rPr lang="el-GR" sz="1400" dirty="0" smtClean="0">
-                <a:latin typeface="Arial" panose="020B0604020202020204" pitchFamily="34" charset="0"/>
-                <a:cs typeface="Arial" panose="020B0604020202020204" pitchFamily="34" charset="0"/>
-              </a:rPr>
-              <a:t>Δ</a:t>
-            </a:r>
-            <a:r>
-              <a:rPr lang="de-DE" sz="1400" dirty="0" smtClean="0">
-                <a:latin typeface="Arial" panose="020B0604020202020204" pitchFamily="34" charset="0"/>
-                <a:cs typeface="Arial" panose="020B0604020202020204" pitchFamily="34" charset="0"/>
-              </a:rPr>
-              <a:t>m</a:t>
-            </a:r>
-            <a:endParaRPr lang="de-DE" sz="1400" dirty="0">
-              <a:latin typeface="Arial" panose="020B0604020202020204" pitchFamily="34" charset="0"/>
-              <a:cs typeface="Arial" panose="020B0604020202020204" pitchFamily="34" charset="0"/>
-            </a:endParaRPr>
-          </a:p>
-        </p:txBody>
-      </p:sp>
-      <p:sp>
-        <p:nvSpPr>
-          <p:cNvPr id="103" name="Textfeld 102"/>
-          <p:cNvSpPr txBox="1"/>
-          <p:nvPr/>
-        </p:nvSpPr>
-        <p:spPr>
-          <a:xfrm>
-            <a:off x="5904083" y="4795064"/>
-            <a:ext cx="388248" cy="523220"/>
-          </a:xfrm>
-          <a:prstGeom prst="rect">
-            <a:avLst/>
-          </a:prstGeom>
-          <a:noFill/>
-        </p:spPr>
-        <p:txBody>
-          <a:bodyPr wrap="none" rtlCol="0">
-            <a:spAutoFit/>
-          </a:bodyPr>
-          <a:lstStyle/>
-          <a:p>
-            <a:pPr algn="ctr"/>
-            <a:r>
-              <a:rPr lang="de-DE" sz="1400" dirty="0" smtClean="0">
-                <a:latin typeface="Arial" panose="020B0604020202020204" pitchFamily="34" charset="0"/>
-                <a:cs typeface="Arial" panose="020B0604020202020204" pitchFamily="34" charset="0"/>
-              </a:rPr>
-              <a:t>+1</a:t>
-            </a:r>
-          </a:p>
-          <a:p>
-            <a:pPr algn="ctr"/>
-            <a:r>
-              <a:rPr lang="el-GR" sz="1400" dirty="0" smtClean="0">
-                <a:latin typeface="Arial" panose="020B0604020202020204" pitchFamily="34" charset="0"/>
-                <a:cs typeface="Arial" panose="020B0604020202020204" pitchFamily="34" charset="0"/>
-              </a:rPr>
-              <a:t>σ</a:t>
-            </a:r>
-            <a:r>
-              <a:rPr lang="de-DE" sz="1400" baseline="30000" dirty="0" smtClean="0">
-                <a:latin typeface="Arial" panose="020B0604020202020204" pitchFamily="34" charset="0"/>
-                <a:cs typeface="Arial" panose="020B0604020202020204" pitchFamily="34" charset="0"/>
-              </a:rPr>
-              <a:t>+</a:t>
-            </a:r>
-            <a:endParaRPr lang="de-DE" sz="1400" baseline="30000" dirty="0">
-              <a:latin typeface="Arial" panose="020B0604020202020204" pitchFamily="34" charset="0"/>
-              <a:cs typeface="Arial" panose="020B0604020202020204" pitchFamily="34" charset="0"/>
-            </a:endParaRPr>
-          </a:p>
-        </p:txBody>
-      </p:sp>
-      <p:sp>
-        <p:nvSpPr>
-          <p:cNvPr id="104" name="Textfeld 103"/>
-          <p:cNvSpPr txBox="1"/>
-          <p:nvPr/>
-        </p:nvSpPr>
-        <p:spPr>
-          <a:xfrm>
-            <a:off x="6858179" y="4795064"/>
-            <a:ext cx="308098" cy="523220"/>
-          </a:xfrm>
-          <a:prstGeom prst="rect">
-            <a:avLst/>
-          </a:prstGeom>
-          <a:noFill/>
-        </p:spPr>
-        <p:txBody>
-          <a:bodyPr wrap="none" rtlCol="0">
-            <a:spAutoFit/>
-          </a:bodyPr>
-          <a:lstStyle/>
-          <a:p>
-            <a:pPr algn="ctr"/>
-            <a:r>
-              <a:rPr lang="de-DE" sz="1400" dirty="0" smtClean="0">
-                <a:latin typeface="Arial" panose="020B0604020202020204" pitchFamily="34" charset="0"/>
-                <a:cs typeface="Arial" panose="020B0604020202020204" pitchFamily="34" charset="0"/>
-              </a:rPr>
-              <a:t>0</a:t>
-            </a:r>
-          </a:p>
-          <a:p>
-            <a:pPr algn="ctr"/>
-            <a:r>
-              <a:rPr lang="el-GR" sz="1400" dirty="0" smtClean="0">
-                <a:latin typeface="Arial" panose="020B0604020202020204" pitchFamily="34" charset="0"/>
-                <a:cs typeface="Arial" panose="020B0604020202020204" pitchFamily="34" charset="0"/>
-              </a:rPr>
-              <a:t>π</a:t>
-            </a:r>
-            <a:endParaRPr lang="de-DE" sz="1400" dirty="0">
-              <a:latin typeface="Arial" panose="020B0604020202020204" pitchFamily="34" charset="0"/>
-              <a:cs typeface="Arial" panose="020B0604020202020204" pitchFamily="34" charset="0"/>
-            </a:endParaRPr>
-          </a:p>
-        </p:txBody>
-      </p:sp>
-      <p:sp>
-        <p:nvSpPr>
-          <p:cNvPr id="105" name="Textfeld 104"/>
-          <p:cNvSpPr txBox="1"/>
-          <p:nvPr/>
-        </p:nvSpPr>
-        <p:spPr>
-          <a:xfrm>
-            <a:off x="7754570" y="4795064"/>
-            <a:ext cx="343364" cy="523220"/>
-          </a:xfrm>
-          <a:prstGeom prst="rect">
-            <a:avLst/>
-          </a:prstGeom>
-          <a:noFill/>
-        </p:spPr>
-        <p:txBody>
-          <a:bodyPr wrap="none" rtlCol="0">
-            <a:spAutoFit/>
-          </a:bodyPr>
-          <a:lstStyle/>
-          <a:p>
-            <a:pPr algn="ctr"/>
-            <a:r>
-              <a:rPr lang="de-DE" sz="1400" dirty="0" smtClean="0">
-                <a:latin typeface="Arial" panose="020B0604020202020204" pitchFamily="34" charset="0"/>
-                <a:cs typeface="Arial" panose="020B0604020202020204" pitchFamily="34" charset="0"/>
-              </a:rPr>
-              <a:t>-1</a:t>
-            </a:r>
-          </a:p>
-          <a:p>
-            <a:pPr algn="ctr"/>
-            <a:r>
-              <a:rPr lang="el-GR" sz="1400" dirty="0" smtClean="0">
-                <a:latin typeface="Arial" panose="020B0604020202020204" pitchFamily="34" charset="0"/>
-                <a:cs typeface="Arial" panose="020B0604020202020204" pitchFamily="34" charset="0"/>
-              </a:rPr>
-              <a:t>σ</a:t>
-            </a:r>
-            <a:r>
-              <a:rPr lang="de-DE" sz="1400" baseline="30000" dirty="0" smtClean="0">
-                <a:latin typeface="Arial" panose="020B0604020202020204" pitchFamily="34" charset="0"/>
-                <a:cs typeface="Arial" panose="020B0604020202020204" pitchFamily="34" charset="0"/>
-              </a:rPr>
-              <a:t>-</a:t>
-            </a:r>
-            <a:endParaRPr lang="de-DE" sz="1400" baseline="30000" dirty="0">
-              <a:latin typeface="Arial" panose="020B0604020202020204" pitchFamily="34" charset="0"/>
-              <a:cs typeface="Arial" panose="020B0604020202020204" pitchFamily="34" charset="0"/>
-            </a:endParaRPr>
-          </a:p>
-        </p:txBody>
-      </p:sp>
-      <p:sp>
-        <p:nvSpPr>
-          <p:cNvPr id="106" name="Textfeld 105"/>
-          <p:cNvSpPr txBox="1"/>
-          <p:nvPr/>
-        </p:nvSpPr>
-        <p:spPr>
-          <a:xfrm>
-            <a:off x="3499677" y="2097668"/>
-            <a:ext cx="508473" cy="369332"/>
-          </a:xfrm>
-          <a:prstGeom prst="rect">
-            <a:avLst/>
-          </a:prstGeom>
-          <a:noFill/>
-        </p:spPr>
-        <p:txBody>
-          <a:bodyPr wrap="none" rtlCol="0">
-            <a:spAutoFit/>
-          </a:bodyPr>
-          <a:lstStyle/>
-          <a:p>
-            <a:r>
-              <a:rPr lang="de-DE" baseline="30000" dirty="0" smtClean="0">
-                <a:latin typeface="Arial" panose="020B0604020202020204" pitchFamily="34" charset="0"/>
-                <a:cs typeface="Arial" panose="020B0604020202020204" pitchFamily="34" charset="0"/>
-              </a:rPr>
-              <a:t>3</a:t>
-            </a:r>
-            <a:r>
-              <a:rPr lang="de-DE" dirty="0" smtClean="0">
-                <a:latin typeface="Arial" panose="020B0604020202020204" pitchFamily="34" charset="0"/>
-                <a:cs typeface="Arial" panose="020B0604020202020204" pitchFamily="34" charset="0"/>
-              </a:rPr>
-              <a:t>S</a:t>
-            </a:r>
-            <a:r>
-              <a:rPr lang="de-DE" baseline="-25000" dirty="0">
-                <a:latin typeface="Arial" panose="020B0604020202020204" pitchFamily="34" charset="0"/>
-                <a:cs typeface="Arial" panose="020B0604020202020204" pitchFamily="34" charset="0"/>
-              </a:rPr>
-              <a:t>1</a:t>
-            </a:r>
-          </a:p>
-        </p:txBody>
-      </p:sp>
-      <p:sp>
-        <p:nvSpPr>
-          <p:cNvPr id="107" name="Textfeld 106"/>
-          <p:cNvSpPr txBox="1"/>
-          <p:nvPr/>
-        </p:nvSpPr>
-        <p:spPr>
-          <a:xfrm>
-            <a:off x="3499677" y="4055300"/>
-            <a:ext cx="508473" cy="369332"/>
-          </a:xfrm>
-          <a:prstGeom prst="rect">
-            <a:avLst/>
-          </a:prstGeom>
-          <a:noFill/>
-        </p:spPr>
-        <p:txBody>
-          <a:bodyPr wrap="none" rtlCol="0">
-            <a:spAutoFit/>
-          </a:bodyPr>
-          <a:lstStyle/>
-          <a:p>
-            <a:r>
-              <a:rPr lang="de-DE" baseline="30000" dirty="0" smtClean="0">
-                <a:latin typeface="Arial" panose="020B0604020202020204" pitchFamily="34" charset="0"/>
-                <a:cs typeface="Arial" panose="020B0604020202020204" pitchFamily="34" charset="0"/>
-              </a:rPr>
-              <a:t>3</a:t>
-            </a:r>
-            <a:r>
-              <a:rPr lang="de-DE" dirty="0" smtClean="0">
-                <a:latin typeface="Arial" panose="020B0604020202020204" pitchFamily="34" charset="0"/>
-                <a:cs typeface="Arial" panose="020B0604020202020204" pitchFamily="34" charset="0"/>
-              </a:rPr>
-              <a:t>P</a:t>
-            </a:r>
-            <a:r>
-              <a:rPr lang="de-DE" baseline="-25000" dirty="0" smtClean="0">
-                <a:latin typeface="Arial" panose="020B0604020202020204" pitchFamily="34" charset="0"/>
-                <a:cs typeface="Arial" panose="020B0604020202020204" pitchFamily="34" charset="0"/>
-              </a:rPr>
-              <a:t>1</a:t>
-            </a:r>
-            <a:endParaRPr lang="de-DE" baseline="-25000" dirty="0">
-              <a:latin typeface="Arial" panose="020B0604020202020204" pitchFamily="34" charset="0"/>
-              <a:cs typeface="Arial" panose="020B0604020202020204" pitchFamily="34" charset="0"/>
-            </a:endParaRPr>
-          </a:p>
-        </p:txBody>
-      </p:sp>
-      <p:sp>
-        <p:nvSpPr>
-          <p:cNvPr id="109" name="Textfeld 108"/>
-          <p:cNvSpPr txBox="1"/>
-          <p:nvPr/>
-        </p:nvSpPr>
-        <p:spPr>
-          <a:xfrm>
-            <a:off x="3499677" y="2492231"/>
-            <a:ext cx="1672253" cy="215444"/>
-          </a:xfrm>
-          <a:prstGeom prst="rect">
-            <a:avLst/>
-          </a:prstGeom>
-          <a:noFill/>
-        </p:spPr>
-        <p:txBody>
-          <a:bodyPr wrap="none" rtlCol="0">
-            <a:spAutoFit/>
-          </a:bodyPr>
-          <a:lstStyle/>
-          <a:p>
-            <a:r>
-              <a:rPr lang="de-DE" sz="800" dirty="0" smtClean="0">
-                <a:latin typeface="Arial" panose="020B0604020202020204" pitchFamily="34" charset="0"/>
-                <a:cs typeface="Arial" panose="020B0604020202020204" pitchFamily="34" charset="0"/>
-              </a:rPr>
-              <a:t>M = 3, J = 1, S = 1, L = 0, </a:t>
-            </a:r>
-            <a:r>
-              <a:rPr lang="de-DE" sz="800" dirty="0" smtClean="0">
-                <a:latin typeface="Arial" panose="020B0604020202020204" pitchFamily="34" charset="0"/>
-                <a:cs typeface="Arial" panose="020B0604020202020204" pitchFamily="34" charset="0"/>
-              </a:rPr>
-              <a:t>g</a:t>
-            </a:r>
-            <a:r>
-              <a:rPr lang="de-DE" sz="800" baseline="-25000" dirty="0" smtClean="0">
-                <a:latin typeface="Arial" panose="020B0604020202020204" pitchFamily="34" charset="0"/>
-                <a:cs typeface="Arial" panose="020B0604020202020204" pitchFamily="34" charset="0"/>
-              </a:rPr>
-              <a:t>J</a:t>
-            </a:r>
-            <a:r>
-              <a:rPr lang="de-DE" sz="800" dirty="0" smtClean="0">
-                <a:latin typeface="Arial" panose="020B0604020202020204" pitchFamily="34" charset="0"/>
-                <a:cs typeface="Arial" panose="020B0604020202020204" pitchFamily="34" charset="0"/>
-              </a:rPr>
-              <a:t> = 2</a:t>
-            </a:r>
-            <a:r>
-              <a:rPr lang="de-DE" sz="800" dirty="0" smtClean="0">
-                <a:latin typeface="Arial" panose="020B0604020202020204" pitchFamily="34" charset="0"/>
-                <a:cs typeface="Arial" panose="020B0604020202020204" pitchFamily="34" charset="0"/>
-              </a:rPr>
-              <a:t> </a:t>
-            </a:r>
-            <a:endParaRPr lang="de-DE" sz="800" dirty="0">
-              <a:latin typeface="Arial" panose="020B0604020202020204" pitchFamily="34" charset="0"/>
-              <a:cs typeface="Arial" panose="020B0604020202020204" pitchFamily="34" charset="0"/>
-            </a:endParaRPr>
-          </a:p>
-        </p:txBody>
-      </p:sp>
-      <p:sp>
-        <p:nvSpPr>
-          <p:cNvPr id="110" name="Textfeld 109"/>
-          <p:cNvSpPr txBox="1"/>
-          <p:nvPr/>
-        </p:nvSpPr>
-        <p:spPr>
-          <a:xfrm>
-            <a:off x="3499677" y="4460893"/>
-            <a:ext cx="1729961" cy="215444"/>
-          </a:xfrm>
-          <a:prstGeom prst="rect">
-            <a:avLst/>
-          </a:prstGeom>
-          <a:noFill/>
-        </p:spPr>
-        <p:txBody>
-          <a:bodyPr wrap="none" rtlCol="0">
-            <a:spAutoFit/>
-          </a:bodyPr>
-          <a:lstStyle/>
-          <a:p>
-            <a:r>
-              <a:rPr lang="de-DE" sz="800" dirty="0" smtClean="0">
-                <a:latin typeface="Arial" panose="020B0604020202020204" pitchFamily="34" charset="0"/>
-                <a:cs typeface="Arial" panose="020B0604020202020204" pitchFamily="34" charset="0"/>
-              </a:rPr>
-              <a:t>M = 3, J = 1, S = 1, L = 1, g</a:t>
-            </a:r>
-            <a:r>
-              <a:rPr lang="de-DE" sz="800" baseline="-25000" dirty="0" smtClean="0">
-                <a:latin typeface="Arial" panose="020B0604020202020204" pitchFamily="34" charset="0"/>
-                <a:cs typeface="Arial" panose="020B0604020202020204" pitchFamily="34" charset="0"/>
-              </a:rPr>
-              <a:t>J</a:t>
-            </a:r>
-            <a:r>
-              <a:rPr lang="de-DE" sz="800" dirty="0" smtClean="0">
-                <a:latin typeface="Arial" panose="020B0604020202020204" pitchFamily="34" charset="0"/>
-                <a:cs typeface="Arial" panose="020B0604020202020204" pitchFamily="34" charset="0"/>
-              </a:rPr>
-              <a:t> = 1,5</a:t>
-            </a:r>
-            <a:endParaRPr lang="de-DE" sz="800" dirty="0">
-              <a:latin typeface="Arial" panose="020B0604020202020204" pitchFamily="34" charset="0"/>
-              <a:cs typeface="Arial" panose="020B0604020202020204" pitchFamily="34" charset="0"/>
-            </a:endParaRPr>
-          </a:p>
-        </p:txBody>
-      </p:sp>
-      <p:sp>
-        <p:nvSpPr>
-          <p:cNvPr id="46" name="Textfeld 45"/>
-          <p:cNvSpPr txBox="1"/>
-          <p:nvPr/>
-        </p:nvSpPr>
-        <p:spPr>
-          <a:xfrm>
-            <a:off x="8776611" y="1850794"/>
-            <a:ext cx="433132" cy="1069524"/>
-          </a:xfrm>
-          <a:prstGeom prst="rect">
-            <a:avLst/>
-          </a:prstGeom>
-          <a:noFill/>
-        </p:spPr>
-        <p:txBody>
-          <a:bodyPr wrap="none" rtlCol="0">
-            <a:spAutoFit/>
-          </a:bodyPr>
-          <a:lstStyle/>
-          <a:p>
-            <a:pPr algn="r">
-              <a:spcBef>
-                <a:spcPts val="300"/>
-              </a:spcBef>
-            </a:pPr>
-            <a:r>
-              <a:rPr lang="de-DE" sz="1400" dirty="0" smtClean="0">
-                <a:latin typeface="Arial" panose="020B0604020202020204" pitchFamily="34" charset="0"/>
-                <a:cs typeface="Arial" panose="020B0604020202020204" pitchFamily="34" charset="0"/>
-              </a:rPr>
-              <a:t>mg</a:t>
-            </a:r>
-          </a:p>
-          <a:p>
-            <a:pPr algn="r">
-              <a:spcBef>
-                <a:spcPts val="300"/>
-              </a:spcBef>
-            </a:pPr>
-            <a:r>
-              <a:rPr lang="de-DE" sz="1400" dirty="0" smtClean="0">
-                <a:latin typeface="Arial" panose="020B0604020202020204" pitchFamily="34" charset="0"/>
-                <a:cs typeface="Arial" panose="020B0604020202020204" pitchFamily="34" charset="0"/>
-              </a:rPr>
-              <a:t>2</a:t>
-            </a:r>
-          </a:p>
-          <a:p>
-            <a:pPr algn="r">
-              <a:spcBef>
-                <a:spcPts val="300"/>
-              </a:spcBef>
-            </a:pPr>
-            <a:r>
-              <a:rPr lang="de-DE" sz="1400" dirty="0" smtClean="0">
-                <a:latin typeface="Arial" panose="020B0604020202020204" pitchFamily="34" charset="0"/>
-                <a:cs typeface="Arial" panose="020B0604020202020204" pitchFamily="34" charset="0"/>
-              </a:rPr>
-              <a:t>0</a:t>
-            </a:r>
-          </a:p>
-          <a:p>
-            <a:pPr algn="r">
-              <a:spcBef>
-                <a:spcPts val="300"/>
-              </a:spcBef>
-            </a:pPr>
-            <a:r>
-              <a:rPr lang="de-DE" sz="1400" dirty="0" smtClean="0">
-                <a:latin typeface="Arial" panose="020B0604020202020204" pitchFamily="34" charset="0"/>
-                <a:cs typeface="Arial" panose="020B0604020202020204" pitchFamily="34" charset="0"/>
-              </a:rPr>
-              <a:t>-2</a:t>
-            </a:r>
-          </a:p>
-        </p:txBody>
-      </p:sp>
-      <p:sp>
-        <p:nvSpPr>
-          <p:cNvPr id="48" name="Textfeld 47"/>
-          <p:cNvSpPr txBox="1"/>
-          <p:nvPr/>
-        </p:nvSpPr>
-        <p:spPr>
-          <a:xfrm>
-            <a:off x="8386939" y="3725540"/>
-            <a:ext cx="343364" cy="1069524"/>
-          </a:xfrm>
-          <a:prstGeom prst="rect">
-            <a:avLst/>
-          </a:prstGeom>
-          <a:noFill/>
-        </p:spPr>
-        <p:txBody>
-          <a:bodyPr wrap="none" rtlCol="0">
-            <a:spAutoFit/>
-          </a:bodyPr>
-          <a:lstStyle/>
-          <a:p>
-            <a:pPr algn="r">
-              <a:spcBef>
-                <a:spcPts val="300"/>
-              </a:spcBef>
-            </a:pPr>
-            <a:r>
-              <a:rPr lang="de-DE" sz="1400" dirty="0" smtClean="0">
-                <a:latin typeface="Arial" panose="020B0604020202020204" pitchFamily="34" charset="0"/>
-                <a:cs typeface="Arial" panose="020B0604020202020204" pitchFamily="34" charset="0"/>
-              </a:rPr>
-              <a:t>m</a:t>
-            </a:r>
-          </a:p>
-          <a:p>
-            <a:pPr algn="r">
-              <a:spcBef>
-                <a:spcPts val="300"/>
-              </a:spcBef>
-            </a:pPr>
-            <a:r>
-              <a:rPr lang="de-DE" sz="1400" dirty="0" smtClean="0">
-                <a:latin typeface="Arial" panose="020B0604020202020204" pitchFamily="34" charset="0"/>
-                <a:cs typeface="Arial" panose="020B0604020202020204" pitchFamily="34" charset="0"/>
-              </a:rPr>
-              <a:t>1</a:t>
-            </a:r>
-          </a:p>
-          <a:p>
-            <a:pPr algn="r">
-              <a:spcBef>
-                <a:spcPts val="300"/>
-              </a:spcBef>
-            </a:pPr>
-            <a:r>
-              <a:rPr lang="de-DE" sz="1400" dirty="0" smtClean="0">
-                <a:latin typeface="Arial" panose="020B0604020202020204" pitchFamily="34" charset="0"/>
-                <a:cs typeface="Arial" panose="020B0604020202020204" pitchFamily="34" charset="0"/>
-              </a:rPr>
-              <a:t>0</a:t>
-            </a:r>
-          </a:p>
-          <a:p>
-            <a:pPr algn="r">
-              <a:spcBef>
-                <a:spcPts val="300"/>
-              </a:spcBef>
-            </a:pPr>
-            <a:r>
-              <a:rPr lang="de-DE" sz="1400" dirty="0" smtClean="0">
-                <a:latin typeface="Arial" panose="020B0604020202020204" pitchFamily="34" charset="0"/>
-                <a:cs typeface="Arial" panose="020B0604020202020204" pitchFamily="34" charset="0"/>
-              </a:rPr>
-              <a:t>-1</a:t>
-            </a:r>
-          </a:p>
-        </p:txBody>
-      </p:sp>
-      <p:sp>
-        <p:nvSpPr>
-          <p:cNvPr id="49" name="Textfeld 48"/>
-          <p:cNvSpPr txBox="1"/>
-          <p:nvPr/>
-        </p:nvSpPr>
-        <p:spPr>
-          <a:xfrm>
-            <a:off x="8717299" y="3725540"/>
-            <a:ext cx="492444" cy="1069524"/>
-          </a:xfrm>
-          <a:prstGeom prst="rect">
-            <a:avLst/>
-          </a:prstGeom>
-          <a:noFill/>
-        </p:spPr>
-        <p:txBody>
-          <a:bodyPr wrap="none" rtlCol="0">
-            <a:spAutoFit/>
-          </a:bodyPr>
-          <a:lstStyle/>
-          <a:p>
-            <a:pPr algn="r">
-              <a:spcBef>
-                <a:spcPts val="300"/>
-              </a:spcBef>
-            </a:pPr>
-            <a:r>
-              <a:rPr lang="de-DE" sz="1400" dirty="0" smtClean="0">
-                <a:latin typeface="Arial" panose="020B0604020202020204" pitchFamily="34" charset="0"/>
-                <a:cs typeface="Arial" panose="020B0604020202020204" pitchFamily="34" charset="0"/>
-              </a:rPr>
-              <a:t>mg</a:t>
-            </a:r>
-          </a:p>
-          <a:p>
-            <a:pPr algn="r">
-              <a:spcBef>
-                <a:spcPts val="300"/>
-              </a:spcBef>
-            </a:pPr>
-            <a:r>
-              <a:rPr lang="de-DE" sz="1400" dirty="0" smtClean="0">
-                <a:latin typeface="Arial" panose="020B0604020202020204" pitchFamily="34" charset="0"/>
-                <a:cs typeface="Arial" panose="020B0604020202020204" pitchFamily="34" charset="0"/>
-              </a:rPr>
-              <a:t>1,5</a:t>
-            </a:r>
-          </a:p>
-          <a:p>
-            <a:pPr algn="r">
-              <a:spcBef>
-                <a:spcPts val="300"/>
-              </a:spcBef>
-            </a:pPr>
-            <a:r>
-              <a:rPr lang="de-DE" sz="1400" dirty="0" smtClean="0">
-                <a:latin typeface="Arial" panose="020B0604020202020204" pitchFamily="34" charset="0"/>
-                <a:cs typeface="Arial" panose="020B0604020202020204" pitchFamily="34" charset="0"/>
-              </a:rPr>
-              <a:t>0</a:t>
-            </a:r>
-          </a:p>
-          <a:p>
-            <a:pPr algn="r">
-              <a:spcBef>
-                <a:spcPts val="300"/>
-              </a:spcBef>
-            </a:pPr>
-            <a:r>
-              <a:rPr lang="de-DE" sz="1400" dirty="0" smtClean="0">
-                <a:latin typeface="Arial" panose="020B0604020202020204" pitchFamily="34" charset="0"/>
-                <a:cs typeface="Arial" panose="020B0604020202020204" pitchFamily="34" charset="0"/>
-              </a:rPr>
-              <a:t>-1,5</a:t>
-            </a:r>
-          </a:p>
-        </p:txBody>
-      </p:sp>
-      <p:sp>
-        <p:nvSpPr>
-          <p:cNvPr id="50" name="Textfeld 49"/>
-          <p:cNvSpPr txBox="1"/>
-          <p:nvPr/>
-        </p:nvSpPr>
-        <p:spPr>
-          <a:xfrm>
-            <a:off x="5198253" y="5367019"/>
-            <a:ext cx="553357" cy="307777"/>
-          </a:xfrm>
-          <a:prstGeom prst="rect">
-            <a:avLst/>
-          </a:prstGeom>
-          <a:noFill/>
-        </p:spPr>
-        <p:txBody>
-          <a:bodyPr wrap="none" rtlCol="0">
-            <a:spAutoFit/>
-          </a:bodyPr>
-          <a:lstStyle/>
-          <a:p>
-            <a:r>
-              <a:rPr lang="el-GR" sz="1400" dirty="0" smtClean="0">
-                <a:latin typeface="Arial" panose="020B0604020202020204" pitchFamily="34" charset="0"/>
-                <a:cs typeface="Arial" panose="020B0604020202020204" pitchFamily="34" charset="0"/>
-              </a:rPr>
-              <a:t>Δ</a:t>
-            </a:r>
-            <a:r>
-              <a:rPr lang="de-DE" sz="1400" dirty="0" smtClean="0">
-                <a:latin typeface="Arial" panose="020B0604020202020204" pitchFamily="34" charset="0"/>
-                <a:cs typeface="Arial" panose="020B0604020202020204" pitchFamily="34" charset="0"/>
-              </a:rPr>
-              <a:t>mg</a:t>
-            </a:r>
-            <a:endParaRPr lang="de-DE" sz="1400" dirty="0">
-              <a:latin typeface="Arial" panose="020B0604020202020204" pitchFamily="34" charset="0"/>
-              <a:cs typeface="Arial" panose="020B0604020202020204" pitchFamily="34" charset="0"/>
-            </a:endParaRPr>
-          </a:p>
-        </p:txBody>
-      </p:sp>
-      <p:sp>
-        <p:nvSpPr>
-          <p:cNvPr id="51" name="Textfeld 50"/>
-          <p:cNvSpPr txBox="1"/>
-          <p:nvPr/>
-        </p:nvSpPr>
-        <p:spPr>
-          <a:xfrm>
-            <a:off x="5921696" y="5398769"/>
-            <a:ext cx="569387" cy="276999"/>
-          </a:xfrm>
-          <a:prstGeom prst="rect">
-            <a:avLst/>
-          </a:prstGeom>
-          <a:noFill/>
-        </p:spPr>
-        <p:txBody>
-          <a:bodyPr wrap="none" rtlCol="0">
-            <a:spAutoFit/>
-          </a:bodyPr>
-          <a:lstStyle/>
-          <a:p>
-            <a:r>
-              <a:rPr lang="de-DE" sz="1200" dirty="0" smtClean="0">
-                <a:latin typeface="Arial" panose="020B0604020202020204" pitchFamily="34" charset="0"/>
-                <a:cs typeface="Arial" panose="020B0604020202020204" pitchFamily="34" charset="0"/>
-              </a:rPr>
-              <a:t>2  3/2</a:t>
-            </a:r>
-            <a:endParaRPr lang="de-DE" sz="1200" dirty="0">
-              <a:latin typeface="Arial" panose="020B0604020202020204" pitchFamily="34" charset="0"/>
-              <a:cs typeface="Arial" panose="020B0604020202020204" pitchFamily="34" charset="0"/>
-            </a:endParaRPr>
-          </a:p>
-        </p:txBody>
-      </p:sp>
-      <p:sp>
-        <p:nvSpPr>
-          <p:cNvPr id="52" name="Textfeld 51"/>
-          <p:cNvSpPr txBox="1"/>
-          <p:nvPr/>
-        </p:nvSpPr>
-        <p:spPr>
-          <a:xfrm>
-            <a:off x="6661170" y="5392249"/>
-            <a:ext cx="699230" cy="276999"/>
-          </a:xfrm>
-          <a:prstGeom prst="rect">
-            <a:avLst/>
-          </a:prstGeom>
-          <a:noFill/>
-        </p:spPr>
-        <p:txBody>
-          <a:bodyPr wrap="none" rtlCol="0">
-            <a:spAutoFit/>
-          </a:bodyPr>
-          <a:lstStyle/>
-          <a:p>
-            <a:r>
-              <a:rPr lang="de-DE" sz="1200" dirty="0" smtClean="0">
-                <a:latin typeface="Arial" panose="020B0604020202020204" pitchFamily="34" charset="0"/>
-                <a:cs typeface="Arial" panose="020B0604020202020204" pitchFamily="34" charset="0"/>
-              </a:rPr>
-              <a:t>½ </a:t>
-            </a:r>
-            <a:r>
-              <a:rPr lang="de-DE" sz="1200" dirty="0" smtClean="0">
-                <a:latin typeface="Arial" panose="020B0604020202020204" pitchFamily="34" charset="0"/>
-                <a:cs typeface="Arial" panose="020B0604020202020204" pitchFamily="34" charset="0"/>
-              </a:rPr>
-              <a:t> 0  ½</a:t>
-            </a:r>
-            <a:endParaRPr lang="de-DE" sz="1200" dirty="0">
-              <a:latin typeface="Arial" panose="020B0604020202020204" pitchFamily="34" charset="0"/>
-              <a:cs typeface="Arial" panose="020B0604020202020204" pitchFamily="34" charset="0"/>
-            </a:endParaRPr>
-          </a:p>
-        </p:txBody>
-      </p:sp>
-      <p:sp>
-        <p:nvSpPr>
-          <p:cNvPr id="53" name="Textfeld 52"/>
-          <p:cNvSpPr txBox="1"/>
-          <p:nvPr/>
-        </p:nvSpPr>
-        <p:spPr>
-          <a:xfrm>
-            <a:off x="7528547" y="5414157"/>
-            <a:ext cx="569387" cy="276999"/>
-          </a:xfrm>
-          <a:prstGeom prst="rect">
-            <a:avLst/>
-          </a:prstGeom>
-          <a:noFill/>
-        </p:spPr>
-        <p:txBody>
-          <a:bodyPr wrap="none" rtlCol="0">
-            <a:spAutoFit/>
-          </a:bodyPr>
-          <a:lstStyle/>
-          <a:p>
-            <a:r>
-              <a:rPr lang="de-DE" sz="1200" dirty="0" smtClean="0">
-                <a:latin typeface="Arial" panose="020B0604020202020204" pitchFamily="34" charset="0"/>
-                <a:cs typeface="Arial" panose="020B0604020202020204" pitchFamily="34" charset="0"/>
-              </a:rPr>
-              <a:t>3/2  2</a:t>
-            </a:r>
-            <a:endParaRPr lang="de-DE" sz="1200" dirty="0">
-              <a:latin typeface="Arial" panose="020B0604020202020204" pitchFamily="34" charset="0"/>
-              <a:cs typeface="Arial" panose="020B0604020202020204" pitchFamily="34" charset="0"/>
-            </a:endParaRPr>
-          </a:p>
-        </p:txBody>
-      </p:sp>
     </p:spTree>
     <p:extLst>
       <p:ext uri="{BB962C8B-B14F-4D97-AF65-F5344CB8AC3E}">
